--- a/VectorTiles.pptx
+++ b/VectorTiles.pptx
@@ -5,14 +5,15 @@
     <p:sldMasterId id="2147483648" r:id="rId1"/>
   </p:sldMasterIdLst>
   <p:notesMasterIdLst>
-    <p:notesMasterId r:id="rId7"/>
+    <p:notesMasterId r:id="rId8"/>
   </p:notesMasterIdLst>
   <p:sldIdLst>
-    <p:sldId id="256" r:id="rId2"/>
-    <p:sldId id="282" r:id="rId3"/>
-    <p:sldId id="266" r:id="rId4"/>
-    <p:sldId id="271" r:id="rId5"/>
-    <p:sldId id="281" r:id="rId6"/>
+    <p:sldId id="283" r:id="rId2"/>
+    <p:sldId id="256" r:id="rId3"/>
+    <p:sldId id="282" r:id="rId4"/>
+    <p:sldId id="266" r:id="rId5"/>
+    <p:sldId id="271" r:id="rId6"/>
+    <p:sldId id="281" r:id="rId7"/>
   </p:sldIdLst>
   <p:sldSz cx="20104100" cy="11309350"/>
   <p:notesSz cx="20104100" cy="11309350"/>
@@ -524,6 +525,29 @@
           <a:bodyPr/>
           <a:lstStyle/>
           <a:p>
+            <a:pPr marL="0" marR="0" lvl="0" indent="0" algn="l" defTabSz="914400" rtl="0" eaLnBrk="1" fontAlgn="auto" latinLnBrk="0" hangingPunct="1">
+              <a:lnSpc>
+                <a:spcPct val="100000"/>
+              </a:lnSpc>
+              <a:spcBef>
+                <a:spcPts val="0"/>
+              </a:spcBef>
+              <a:spcAft>
+                <a:spcPts val="0"/>
+              </a:spcAft>
+              <a:buClrTx/>
+              <a:buSzTx/>
+              <a:buFontTx/>
+              <a:buNone/>
+              <a:tabLst/>
+              <a:defRPr/>
+            </a:pPr>
+            <a:r>
+              <a:rPr lang="en-US" dirty="0"/>
+              <a:t>Welcome to one of the preliminary videos demoing data access for the upcoming energy map and hack in 2023.</a:t>
+            </a:r>
+          </a:p>
+          <a:p>
             <a:endParaRPr lang="en-US" dirty="0"/>
           </a:p>
         </p:txBody>
@@ -554,7 +578,479 @@
     </p:spTree>
     <p:extLst>
       <p:ext uri="{BB962C8B-B14F-4D97-AF65-F5344CB8AC3E}">
+        <p14:creationId xmlns:p14="http://schemas.microsoft.com/office/powerpoint/2010/main" val="3069820419"/>
+      </p:ext>
+    </p:extLst>
+  </p:cSld>
+  <p:clrMapOvr>
+    <a:masterClrMapping/>
+  </p:clrMapOvr>
+</p:notes>
+</file>
+
+<file path=ppt/notesSlides/notesSlide2.xml><?xml version="1.0" encoding="utf-8"?>
+<p:notes xmlns:a="http://schemas.openxmlformats.org/drawingml/2006/main" xmlns:r="http://schemas.openxmlformats.org/officeDocument/2006/relationships" xmlns:p="http://schemas.openxmlformats.org/presentationml/2006/main">
+  <p:cSld>
+    <p:spTree>
+      <p:nvGrpSpPr>
+        <p:cNvPr id="1" name=""/>
+        <p:cNvGrpSpPr/>
+        <p:nvPr/>
+      </p:nvGrpSpPr>
+      <p:grpSpPr>
+        <a:xfrm>
+          <a:off x="0" y="0"/>
+          <a:ext cx="0" cy="0"/>
+          <a:chOff x="0" y="0"/>
+          <a:chExt cx="0" cy="0"/>
+        </a:xfrm>
+      </p:grpSpPr>
+      <p:sp>
+        <p:nvSpPr>
+          <p:cNvPr id="2" name="Slide Image Placeholder 1"/>
+          <p:cNvSpPr>
+            <a:spLocks noGrp="1" noRot="1" noChangeAspect="1"/>
+          </p:cNvSpPr>
+          <p:nvPr>
+            <p:ph type="sldImg"/>
+          </p:nvPr>
+        </p:nvSpPr>
+        <p:spPr/>
+      </p:sp>
+      <p:sp>
+        <p:nvSpPr>
+          <p:cNvPr id="3" name="Notes Placeholder 2"/>
+          <p:cNvSpPr>
+            <a:spLocks noGrp="1"/>
+          </p:cNvSpPr>
+          <p:nvPr>
+            <p:ph type="body" idx="1"/>
+          </p:nvPr>
+        </p:nvSpPr>
+        <p:spPr/>
+        <p:txBody>
+          <a:bodyPr/>
+          <a:lstStyle/>
+          <a:p>
+            <a:r>
+              <a:rPr lang="en-US" dirty="0"/>
+              <a:t>Vector tiles are a way of providing a base map for web mapping applications, as well as desktop GIS tools. The benefit of using vector tiled data is that the underlying tiles include data, such as roads, buildings, greenspace, etc. This data can be interacted with in a way that raster image data cannot. The tiles can also be more efficient and allow for any number of resolutions without drastically changing the underlying data.</a:t>
+            </a:r>
+          </a:p>
+          <a:p>
+            <a:endParaRPr lang="en-US" dirty="0"/>
+          </a:p>
+          <a:p>
+            <a:r>
+              <a:rPr lang="en-US" dirty="0"/>
+              <a:t>The </a:t>
+            </a:r>
+            <a:r>
+              <a:rPr lang="en-GB" b="0" i="0" dirty="0">
+                <a:solidFill>
+                  <a:srgbClr val="000000"/>
+                </a:solidFill>
+                <a:effectLst/>
+                <a:latin typeface="Source Sans Pro" panose="020B0503030403020204" pitchFamily="34" charset="0"/>
+              </a:rPr>
+              <a:t>OS Vector Tile API is a vector tile service providing detailed Ordnance Survey data as a .customisable base map</a:t>
+            </a:r>
+            <a:endParaRPr lang="en-US" dirty="0"/>
+          </a:p>
+        </p:txBody>
+      </p:sp>
+      <p:sp>
+        <p:nvSpPr>
+          <p:cNvPr id="4" name="Slide Number Placeholder 3"/>
+          <p:cNvSpPr>
+            <a:spLocks noGrp="1"/>
+          </p:cNvSpPr>
+          <p:nvPr>
+            <p:ph type="sldNum" sz="quarter" idx="5"/>
+          </p:nvPr>
+        </p:nvSpPr>
+        <p:spPr/>
+        <p:txBody>
+          <a:bodyPr/>
+          <a:lstStyle/>
+          <a:p>
+            <a:fld id="{D095E1D6-8FD6-A24D-AACA-09036CC80F2B}" type="slidenum">
+              <a:rPr lang="en-US" smtClean="0"/>
+              <a:t>2</a:t>
+            </a:fld>
+            <a:endParaRPr lang="en-US"/>
+          </a:p>
+        </p:txBody>
+      </p:sp>
+    </p:spTree>
+    <p:extLst>
+      <p:ext uri="{BB962C8B-B14F-4D97-AF65-F5344CB8AC3E}">
         <p14:creationId xmlns:p14="http://schemas.microsoft.com/office/powerpoint/2010/main" val="3401925128"/>
+      </p:ext>
+    </p:extLst>
+  </p:cSld>
+  <p:clrMapOvr>
+    <a:masterClrMapping/>
+  </p:clrMapOvr>
+</p:notes>
+</file>
+
+<file path=ppt/notesSlides/notesSlide3.xml><?xml version="1.0" encoding="utf-8"?>
+<p:notes xmlns:a="http://schemas.openxmlformats.org/drawingml/2006/main" xmlns:r="http://schemas.openxmlformats.org/officeDocument/2006/relationships" xmlns:p="http://schemas.openxmlformats.org/presentationml/2006/main">
+  <p:cSld>
+    <p:spTree>
+      <p:nvGrpSpPr>
+        <p:cNvPr id="1" name=""/>
+        <p:cNvGrpSpPr/>
+        <p:nvPr/>
+      </p:nvGrpSpPr>
+      <p:grpSpPr>
+        <a:xfrm>
+          <a:off x="0" y="0"/>
+          <a:ext cx="0" cy="0"/>
+          <a:chOff x="0" y="0"/>
+          <a:chExt cx="0" cy="0"/>
+        </a:xfrm>
+      </p:grpSpPr>
+      <p:sp>
+        <p:nvSpPr>
+          <p:cNvPr id="2" name="Slide Image Placeholder 1"/>
+          <p:cNvSpPr>
+            <a:spLocks noGrp="1" noRot="1" noChangeAspect="1"/>
+          </p:cNvSpPr>
+          <p:nvPr>
+            <p:ph type="sldImg"/>
+          </p:nvPr>
+        </p:nvSpPr>
+        <p:spPr/>
+      </p:sp>
+      <p:sp>
+        <p:nvSpPr>
+          <p:cNvPr id="3" name="Notes Placeholder 2"/>
+          <p:cNvSpPr>
+            <a:spLocks noGrp="1"/>
+          </p:cNvSpPr>
+          <p:nvPr>
+            <p:ph type="body" idx="1"/>
+          </p:nvPr>
+        </p:nvSpPr>
+        <p:spPr/>
+        <p:txBody>
+          <a:bodyPr/>
+          <a:lstStyle/>
+          <a:p>
+            <a:r>
+              <a:rPr lang="en-US" dirty="0"/>
+              <a:t>To get started with the OS vector tile service you can use the OS Data Hub. </a:t>
+            </a:r>
+          </a:p>
+          <a:p>
+            <a:endParaRPr lang="en-US" dirty="0"/>
+          </a:p>
+          <a:p>
+            <a:r>
+              <a:rPr lang="en-US" dirty="0"/>
+              <a:t>Start by navigating to the API Dashboard tab. In the list of available APIs you will find the OS Vector Tile API listed.</a:t>
+            </a:r>
+          </a:p>
+          <a:p>
+            <a:endParaRPr lang="en-US" dirty="0"/>
+          </a:p>
+          <a:p>
+            <a:r>
+              <a:rPr lang="en-US" dirty="0"/>
+              <a:t>Once that is either added to an existing project, or you have created a new project to add it to, the vector tile API dashboard will be displayed.</a:t>
+            </a:r>
+          </a:p>
+          <a:p>
+            <a:endParaRPr lang="en-US" dirty="0"/>
+          </a:p>
+          <a:p>
+            <a:r>
+              <a:rPr lang="en-US" dirty="0"/>
+              <a:t>This dashboard will then display your usage history, as well as the API Endpoint Address with a prepopulated API key. You should keep this key secret (this particular one has been revoked!)</a:t>
+            </a:r>
+          </a:p>
+        </p:txBody>
+      </p:sp>
+      <p:sp>
+        <p:nvSpPr>
+          <p:cNvPr id="4" name="Slide Number Placeholder 3"/>
+          <p:cNvSpPr>
+            <a:spLocks noGrp="1"/>
+          </p:cNvSpPr>
+          <p:nvPr>
+            <p:ph type="sldNum" sz="quarter" idx="5"/>
+          </p:nvPr>
+        </p:nvSpPr>
+        <p:spPr/>
+        <p:txBody>
+          <a:bodyPr/>
+          <a:lstStyle/>
+          <a:p>
+            <a:fld id="{D095E1D6-8FD6-A24D-AACA-09036CC80F2B}" type="slidenum">
+              <a:rPr lang="en-US" smtClean="0"/>
+              <a:t>3</a:t>
+            </a:fld>
+            <a:endParaRPr lang="en-US"/>
+          </a:p>
+        </p:txBody>
+      </p:sp>
+    </p:spTree>
+    <p:extLst>
+      <p:ext uri="{BB962C8B-B14F-4D97-AF65-F5344CB8AC3E}">
+        <p14:creationId xmlns:p14="http://schemas.microsoft.com/office/powerpoint/2010/main" val="2821292369"/>
+      </p:ext>
+    </p:extLst>
+  </p:cSld>
+  <p:clrMapOvr>
+    <a:masterClrMapping/>
+  </p:clrMapOvr>
+</p:notes>
+</file>
+
+<file path=ppt/notesSlides/notesSlide4.xml><?xml version="1.0" encoding="utf-8"?>
+<p:notes xmlns:a="http://schemas.openxmlformats.org/drawingml/2006/main" xmlns:r="http://schemas.openxmlformats.org/officeDocument/2006/relationships" xmlns:p="http://schemas.openxmlformats.org/presentationml/2006/main">
+  <p:cSld>
+    <p:spTree>
+      <p:nvGrpSpPr>
+        <p:cNvPr id="1" name=""/>
+        <p:cNvGrpSpPr/>
+        <p:nvPr/>
+      </p:nvGrpSpPr>
+      <p:grpSpPr>
+        <a:xfrm>
+          <a:off x="0" y="0"/>
+          <a:ext cx="0" cy="0"/>
+          <a:chOff x="0" y="0"/>
+          <a:chExt cx="0" cy="0"/>
+        </a:xfrm>
+      </p:grpSpPr>
+      <p:sp>
+        <p:nvSpPr>
+          <p:cNvPr id="2" name="Slide Image Placeholder 1"/>
+          <p:cNvSpPr>
+            <a:spLocks noGrp="1" noRot="1" noChangeAspect="1"/>
+          </p:cNvSpPr>
+          <p:nvPr>
+            <p:ph type="sldImg"/>
+          </p:nvPr>
+        </p:nvSpPr>
+        <p:spPr/>
+      </p:sp>
+      <p:sp>
+        <p:nvSpPr>
+          <p:cNvPr id="3" name="Notes Placeholder 2"/>
+          <p:cNvSpPr>
+            <a:spLocks noGrp="1"/>
+          </p:cNvSpPr>
+          <p:nvPr>
+            <p:ph type="body" idx="1"/>
+          </p:nvPr>
+        </p:nvSpPr>
+        <p:spPr/>
+        <p:txBody>
+          <a:bodyPr/>
+          <a:lstStyle/>
+          <a:p>
+            <a:r>
+              <a:rPr lang="en-US" dirty="0"/>
+              <a:t>QGIS is an open source and free desktop application for exploring geospatial data.</a:t>
+            </a:r>
+          </a:p>
+          <a:p>
+            <a:endParaRPr lang="en-US" dirty="0"/>
+          </a:p>
+          <a:p>
+            <a:r>
+              <a:rPr lang="en-US" dirty="0"/>
+              <a:t>To do this with a base map you can use the OS vector tiles API. If you open the Browser pane (by default on the left-hand side of the screen) you can click on the Vector Tiles item and select to add a new generic connection.</a:t>
+            </a:r>
+          </a:p>
+          <a:p>
+            <a:endParaRPr lang="en-US" dirty="0"/>
+          </a:p>
+          <a:p>
+            <a:r>
+              <a:rPr lang="en-US" dirty="0"/>
+              <a:t>Two URLs will need to be entered, a tile URL and a style URL. Both of these can be added in with the format as shown on this slide. You will need to include your API key at the end of each URL.</a:t>
+            </a:r>
+          </a:p>
+        </p:txBody>
+      </p:sp>
+      <p:sp>
+        <p:nvSpPr>
+          <p:cNvPr id="4" name="Slide Number Placeholder 3"/>
+          <p:cNvSpPr>
+            <a:spLocks noGrp="1"/>
+          </p:cNvSpPr>
+          <p:nvPr>
+            <p:ph type="sldNum" sz="quarter" idx="5"/>
+          </p:nvPr>
+        </p:nvSpPr>
+        <p:spPr/>
+        <p:txBody>
+          <a:bodyPr/>
+          <a:lstStyle/>
+          <a:p>
+            <a:fld id="{D095E1D6-8FD6-A24D-AACA-09036CC80F2B}" type="slidenum">
+              <a:rPr lang="en-US" smtClean="0"/>
+              <a:t>4</a:t>
+            </a:fld>
+            <a:endParaRPr lang="en-US"/>
+          </a:p>
+        </p:txBody>
+      </p:sp>
+    </p:spTree>
+    <p:extLst>
+      <p:ext uri="{BB962C8B-B14F-4D97-AF65-F5344CB8AC3E}">
+        <p14:creationId xmlns:p14="http://schemas.microsoft.com/office/powerpoint/2010/main" val="2794055916"/>
+      </p:ext>
+    </p:extLst>
+  </p:cSld>
+  <p:clrMapOvr>
+    <a:masterClrMapping/>
+  </p:clrMapOvr>
+</p:notes>
+</file>
+
+<file path=ppt/notesSlides/notesSlide5.xml><?xml version="1.0" encoding="utf-8"?>
+<p:notes xmlns:a="http://schemas.openxmlformats.org/drawingml/2006/main" xmlns:r="http://schemas.openxmlformats.org/officeDocument/2006/relationships" xmlns:p="http://schemas.openxmlformats.org/presentationml/2006/main">
+  <p:cSld>
+    <p:spTree>
+      <p:nvGrpSpPr>
+        <p:cNvPr id="1" name=""/>
+        <p:cNvGrpSpPr/>
+        <p:nvPr/>
+      </p:nvGrpSpPr>
+      <p:grpSpPr>
+        <a:xfrm>
+          <a:off x="0" y="0"/>
+          <a:ext cx="0" cy="0"/>
+          <a:chOff x="0" y="0"/>
+          <a:chExt cx="0" cy="0"/>
+        </a:xfrm>
+      </p:grpSpPr>
+      <p:sp>
+        <p:nvSpPr>
+          <p:cNvPr id="2" name="Slide Image Placeholder 1"/>
+          <p:cNvSpPr>
+            <a:spLocks noGrp="1" noRot="1" noChangeAspect="1"/>
+          </p:cNvSpPr>
+          <p:nvPr>
+            <p:ph type="sldImg"/>
+          </p:nvPr>
+        </p:nvSpPr>
+        <p:spPr/>
+      </p:sp>
+      <p:sp>
+        <p:nvSpPr>
+          <p:cNvPr id="3" name="Notes Placeholder 2"/>
+          <p:cNvSpPr>
+            <a:spLocks noGrp="1"/>
+          </p:cNvSpPr>
+          <p:nvPr>
+            <p:ph type="body" idx="1"/>
+          </p:nvPr>
+        </p:nvSpPr>
+        <p:spPr/>
+        <p:txBody>
+          <a:bodyPr/>
+          <a:lstStyle/>
+          <a:p>
+            <a:r>
+              <a:rPr lang="en-US" dirty="0"/>
+              <a:t>The bulk of usage of vector tile service is in web map applications. These allow you to zoom and scroll and change the pan and tilt of the current map, all of which may highlight different features of the base map.</a:t>
+            </a:r>
+          </a:p>
+          <a:p>
+            <a:endParaRPr lang="en-US" dirty="0"/>
+          </a:p>
+          <a:p>
+            <a:r>
+              <a:rPr lang="en-US" dirty="0"/>
+              <a:t>The OS Vector tile service is compatible with all the major JavaScript libraries that provide a means of embedding maps on a webpage: Leaflet, </a:t>
+            </a:r>
+            <a:r>
+              <a:rPr lang="en-US" dirty="0" err="1"/>
+              <a:t>Mapbox</a:t>
+            </a:r>
+            <a:r>
+              <a:rPr lang="en-US" dirty="0"/>
+              <a:t>, </a:t>
+            </a:r>
+            <a:r>
+              <a:rPr lang="en-US" dirty="0" err="1"/>
+              <a:t>MapLibre</a:t>
+            </a:r>
+            <a:r>
+              <a:rPr lang="en-US" dirty="0"/>
+              <a:t> and </a:t>
+            </a:r>
+            <a:r>
+              <a:rPr lang="en-US" dirty="0" err="1"/>
+              <a:t>OpenLayers</a:t>
+            </a:r>
+            <a:r>
+              <a:rPr lang="en-US" dirty="0"/>
+              <a:t>.</a:t>
+            </a:r>
+          </a:p>
+          <a:p>
+            <a:endParaRPr lang="en-US" dirty="0"/>
+          </a:p>
+          <a:p>
+            <a:r>
+              <a:rPr lang="en-US" dirty="0"/>
+              <a:t>In the Data Hub, navigate the API Dashboard and then the Getting Started Guide for the OS Vector Tile API.  </a:t>
+            </a:r>
+          </a:p>
+          <a:p>
+            <a:endParaRPr lang="en-US" dirty="0"/>
+          </a:p>
+          <a:p>
+            <a:r>
+              <a:rPr lang="en-US" dirty="0"/>
+              <a:t>This provides a demo project which can be downloaded and edited from GitHub. It also features code samples for multiple different mapping libraries displaying how the vector tile service can be </a:t>
+            </a:r>
+            <a:r>
+              <a:rPr lang="en-US" dirty="0" err="1"/>
+              <a:t>utlilised</a:t>
+            </a:r>
+            <a:r>
+              <a:rPr lang="en-US" dirty="0"/>
+              <a:t>.</a:t>
+            </a:r>
+          </a:p>
+        </p:txBody>
+      </p:sp>
+      <p:sp>
+        <p:nvSpPr>
+          <p:cNvPr id="4" name="Slide Number Placeholder 3"/>
+          <p:cNvSpPr>
+            <a:spLocks noGrp="1"/>
+          </p:cNvSpPr>
+          <p:nvPr>
+            <p:ph type="sldNum" sz="quarter" idx="5"/>
+          </p:nvPr>
+        </p:nvSpPr>
+        <p:spPr/>
+        <p:txBody>
+          <a:bodyPr/>
+          <a:lstStyle/>
+          <a:p>
+            <a:fld id="{D095E1D6-8FD6-A24D-AACA-09036CC80F2B}" type="slidenum">
+              <a:rPr lang="en-US" smtClean="0"/>
+              <a:t>5</a:t>
+            </a:fld>
+            <a:endParaRPr lang="en-US"/>
+          </a:p>
+        </p:txBody>
+      </p:sp>
+    </p:spTree>
+    <p:extLst>
+      <p:ext uri="{BB962C8B-B14F-4D97-AF65-F5344CB8AC3E}">
+        <p14:creationId xmlns:p14="http://schemas.microsoft.com/office/powerpoint/2010/main" val="2105987608"/>
       </p:ext>
     </p:extLst>
   </p:cSld>
@@ -3697,6 +4193,234 @@
 <file path=ppt/slides/slide1.xml><?xml version="1.0" encoding="utf-8"?>
 <p:sld xmlns:a="http://schemas.openxmlformats.org/drawingml/2006/main" xmlns:r="http://schemas.openxmlformats.org/officeDocument/2006/relationships" xmlns:p="http://schemas.openxmlformats.org/presentationml/2006/main">
   <p:cSld>
+    <p:bg>
+      <p:bgPr>
+        <a:solidFill>
+          <a:schemeClr val="bg1"/>
+        </a:solidFill>
+        <a:effectLst/>
+      </p:bgPr>
+    </p:bg>
+    <p:spTree>
+      <p:nvGrpSpPr>
+        <p:cNvPr id="1" name=""/>
+        <p:cNvGrpSpPr/>
+        <p:nvPr/>
+      </p:nvGrpSpPr>
+      <p:grpSpPr>
+        <a:xfrm>
+          <a:off x="0" y="0"/>
+          <a:ext cx="0" cy="0"/>
+          <a:chOff x="0" y="0"/>
+          <a:chExt cx="0" cy="0"/>
+        </a:xfrm>
+      </p:grpSpPr>
+      <p:sp>
+        <p:nvSpPr>
+          <p:cNvPr id="10" name="Rectangle 9">
+            <a:extLst>
+              <a:ext uri="{FF2B5EF4-FFF2-40B4-BE49-F238E27FC236}">
+                <a16:creationId xmlns:a16="http://schemas.microsoft.com/office/drawing/2014/main" id="{42A4FC2C-047E-45A5-965D-8E1E3BF09BC6}"/>
+              </a:ext>
+              <a:ext uri="{C183D7F6-B498-43B3-948B-1728B52AA6E4}">
+                <adec:decorative xmlns:adec="http://schemas.microsoft.com/office/drawing/2017/decorative" val="1"/>
+              </a:ext>
+            </a:extLst>
+          </p:cNvPr>
+          <p:cNvSpPr>
+            <a:spLocks noGrp="1" noRot="1" noChangeAspect="1" noMove="1" noResize="1" noEditPoints="1" noAdjustHandles="1" noChangeArrowheads="1" noChangeShapeType="1" noTextEdit="1"/>
+          </p:cNvSpPr>
+          <p:nvPr>
+            <p:extLst>
+              <p:ext uri="{386F3935-93C4-4BCD-93E2-E3B085C9AB24}">
+                <p16:designElem xmlns:p16="http://schemas.microsoft.com/office/powerpoint/2015/main" val="1"/>
+              </p:ext>
+            </p:extLst>
+          </p:nvPr>
+        </p:nvSpPr>
+        <p:spPr bwMode="white">
+          <a:xfrm>
+            <a:off x="2513" y="0"/>
+            <a:ext cx="20099073" cy="11309350"/>
+          </a:xfrm>
+          <a:prstGeom prst="rect">
+            <a:avLst/>
+          </a:prstGeom>
+          <a:noFill/>
+          <a:ln>
+            <a:noFill/>
+          </a:ln>
+        </p:spPr>
+        <p:style>
+          <a:lnRef idx="2">
+            <a:schemeClr val="accent1">
+              <a:shade val="50000"/>
+            </a:schemeClr>
+          </a:lnRef>
+          <a:fillRef idx="1">
+            <a:schemeClr val="accent1"/>
+          </a:fillRef>
+          <a:effectRef idx="0">
+            <a:schemeClr val="accent1"/>
+          </a:effectRef>
+          <a:fontRef idx="minor">
+            <a:schemeClr val="lt1"/>
+          </a:fontRef>
+        </p:style>
+        <p:txBody>
+          <a:bodyPr rtlCol="0" anchor="ctr"/>
+          <a:lstStyle>
+            <a:defPPr>
+              <a:defRPr lang="en-US"/>
+            </a:defPPr>
+            <a:lvl1pPr marL="0" algn="l" defTabSz="914400" rtl="0" eaLnBrk="1" latinLnBrk="0" hangingPunct="1">
+              <a:defRPr sz="1800" kern="1200">
+                <a:solidFill>
+                  <a:schemeClr val="lt1"/>
+                </a:solidFill>
+                <a:latin typeface="+mn-lt"/>
+                <a:ea typeface="+mn-ea"/>
+                <a:cs typeface="+mn-cs"/>
+              </a:defRPr>
+            </a:lvl1pPr>
+            <a:lvl2pPr marL="457200" algn="l" defTabSz="914400" rtl="0" eaLnBrk="1" latinLnBrk="0" hangingPunct="1">
+              <a:defRPr sz="1800" kern="1200">
+                <a:solidFill>
+                  <a:schemeClr val="lt1"/>
+                </a:solidFill>
+                <a:latin typeface="+mn-lt"/>
+                <a:ea typeface="+mn-ea"/>
+                <a:cs typeface="+mn-cs"/>
+              </a:defRPr>
+            </a:lvl2pPr>
+            <a:lvl3pPr marL="914400" algn="l" defTabSz="914400" rtl="0" eaLnBrk="1" latinLnBrk="0" hangingPunct="1">
+              <a:defRPr sz="1800" kern="1200">
+                <a:solidFill>
+                  <a:schemeClr val="lt1"/>
+                </a:solidFill>
+                <a:latin typeface="+mn-lt"/>
+                <a:ea typeface="+mn-ea"/>
+                <a:cs typeface="+mn-cs"/>
+              </a:defRPr>
+            </a:lvl3pPr>
+            <a:lvl4pPr marL="1371600" algn="l" defTabSz="914400" rtl="0" eaLnBrk="1" latinLnBrk="0" hangingPunct="1">
+              <a:defRPr sz="1800" kern="1200">
+                <a:solidFill>
+                  <a:schemeClr val="lt1"/>
+                </a:solidFill>
+                <a:latin typeface="+mn-lt"/>
+                <a:ea typeface="+mn-ea"/>
+                <a:cs typeface="+mn-cs"/>
+              </a:defRPr>
+            </a:lvl4pPr>
+            <a:lvl5pPr marL="1828800" algn="l" defTabSz="914400" rtl="0" eaLnBrk="1" latinLnBrk="0" hangingPunct="1">
+              <a:defRPr sz="1800" kern="1200">
+                <a:solidFill>
+                  <a:schemeClr val="lt1"/>
+                </a:solidFill>
+                <a:latin typeface="+mn-lt"/>
+                <a:ea typeface="+mn-ea"/>
+                <a:cs typeface="+mn-cs"/>
+              </a:defRPr>
+            </a:lvl5pPr>
+            <a:lvl6pPr marL="2286000" algn="l" defTabSz="914400" rtl="0" eaLnBrk="1" latinLnBrk="0" hangingPunct="1">
+              <a:defRPr sz="1800" kern="1200">
+                <a:solidFill>
+                  <a:schemeClr val="lt1"/>
+                </a:solidFill>
+                <a:latin typeface="+mn-lt"/>
+                <a:ea typeface="+mn-ea"/>
+                <a:cs typeface="+mn-cs"/>
+              </a:defRPr>
+            </a:lvl6pPr>
+            <a:lvl7pPr marL="2743200" algn="l" defTabSz="914400" rtl="0" eaLnBrk="1" latinLnBrk="0" hangingPunct="1">
+              <a:defRPr sz="1800" kern="1200">
+                <a:solidFill>
+                  <a:schemeClr val="lt1"/>
+                </a:solidFill>
+                <a:latin typeface="+mn-lt"/>
+                <a:ea typeface="+mn-ea"/>
+                <a:cs typeface="+mn-cs"/>
+              </a:defRPr>
+            </a:lvl7pPr>
+            <a:lvl8pPr marL="3200400" algn="l" defTabSz="914400" rtl="0" eaLnBrk="1" latinLnBrk="0" hangingPunct="1">
+              <a:defRPr sz="1800" kern="1200">
+                <a:solidFill>
+                  <a:schemeClr val="lt1"/>
+                </a:solidFill>
+                <a:latin typeface="+mn-lt"/>
+                <a:ea typeface="+mn-ea"/>
+                <a:cs typeface="+mn-cs"/>
+              </a:defRPr>
+            </a:lvl8pPr>
+            <a:lvl9pPr marL="3657600" algn="l" defTabSz="914400" rtl="0" eaLnBrk="1" latinLnBrk="0" hangingPunct="1">
+              <a:defRPr sz="1800" kern="1200">
+                <a:solidFill>
+                  <a:schemeClr val="lt1"/>
+                </a:solidFill>
+                <a:latin typeface="+mn-lt"/>
+                <a:ea typeface="+mn-ea"/>
+                <a:cs typeface="+mn-cs"/>
+              </a:defRPr>
+            </a:lvl9pPr>
+          </a:lstStyle>
+          <a:p>
+            <a:pPr algn="ctr"/>
+            <a:endParaRPr lang="en-US"/>
+          </a:p>
+        </p:txBody>
+      </p:sp>
+      <p:pic>
+        <p:nvPicPr>
+          <p:cNvPr id="5" name="Picture 4" descr="Graphical user interface, text, application&#10;&#10;Description automatically generated">
+            <a:extLst>
+              <a:ext uri="{FF2B5EF4-FFF2-40B4-BE49-F238E27FC236}">
+                <a16:creationId xmlns:a16="http://schemas.microsoft.com/office/drawing/2014/main" id="{D916D4F7-A3FF-56EB-35E9-B48D12981340}"/>
+              </a:ext>
+            </a:extLst>
+          </p:cNvPr>
+          <p:cNvPicPr>
+            <a:picLocks noChangeAspect="1"/>
+          </p:cNvPicPr>
+          <p:nvPr/>
+        </p:nvPicPr>
+        <p:blipFill rotWithShape="1">
+          <a:blip r:embed="rId3">
+            <a:extLst>
+              <a:ext uri="{28A0092B-C50C-407E-A947-70E740481C1C}">
+                <a14:useLocalDpi xmlns:a14="http://schemas.microsoft.com/office/drawing/2010/main" val="0"/>
+              </a:ext>
+            </a:extLst>
+          </a:blip>
+          <a:srcRect t="617" b="15123"/>
+          <a:stretch/>
+        </p:blipFill>
+        <p:spPr>
+          <a:xfrm>
+            <a:off x="20" y="2114"/>
+            <a:ext cx="20104080" cy="11307236"/>
+          </a:xfrm>
+          <a:prstGeom prst="rect">
+            <a:avLst/>
+          </a:prstGeom>
+        </p:spPr>
+      </p:pic>
+    </p:spTree>
+    <p:extLst>
+      <p:ext uri="{BB962C8B-B14F-4D97-AF65-F5344CB8AC3E}">
+        <p14:creationId xmlns:p14="http://schemas.microsoft.com/office/powerpoint/2010/main" val="513460694"/>
+      </p:ext>
+    </p:extLst>
+  </p:cSld>
+  <p:clrMapOvr>
+    <a:masterClrMapping/>
+  </p:clrMapOvr>
+</p:sld>
+</file>
+
+<file path=ppt/slides/slide2.xml><?xml version="1.0" encoding="utf-8"?>
+<p:sld xmlns:a="http://schemas.openxmlformats.org/drawingml/2006/main" xmlns:r="http://schemas.openxmlformats.org/officeDocument/2006/relationships" xmlns:p="http://schemas.openxmlformats.org/presentationml/2006/main">
+  <p:cSld>
     <p:spTree>
       <p:nvGrpSpPr>
         <p:cNvPr id="1" name=""/>
@@ -5323,7 +6047,7 @@
         <p:spPr>
           <a:xfrm>
             <a:off x="1243806" y="9556270"/>
-            <a:ext cx="3169444" cy="464230"/>
+            <a:ext cx="4366698" cy="464230"/>
           </a:xfrm>
           <a:prstGeom prst="rect">
             <a:avLst/>
@@ -5351,7 +6075,7 @@
                 <a:latin typeface="Lato"/>
                 <a:cs typeface="Lato"/>
               </a:rPr>
-              <a:t>December 2022</a:t>
+              <a:t>Energy Map &amp; Hack 2023</a:t>
             </a:r>
             <a:endParaRPr sz="2950" dirty="0">
               <a:latin typeface="Lato"/>
@@ -5368,7 +6092,7 @@
 </p:sld>
 </file>
 
-<file path=ppt/slides/slide2.xml><?xml version="1.0" encoding="utf-8"?>
+<file path=ppt/slides/slide3.xml><?xml version="1.0" encoding="utf-8"?>
 <p:sld xmlns:a="http://schemas.openxmlformats.org/drawingml/2006/main" xmlns:r="http://schemas.openxmlformats.org/officeDocument/2006/relationships" xmlns:p="http://schemas.openxmlformats.org/presentationml/2006/main">
   <p:cSld>
     <p:spTree>
@@ -6090,7 +6814,7 @@
           <p:nvPr/>
         </p:nvPicPr>
         <p:blipFill>
-          <a:blip r:embed="rId2"/>
+          <a:blip r:embed="rId3"/>
           <a:stretch>
             <a:fillRect/>
           </a:stretch>
@@ -6128,7 +6852,7 @@
           <p:nvPr/>
         </p:nvPicPr>
         <p:blipFill>
-          <a:blip r:embed="rId3"/>
+          <a:blip r:embed="rId4"/>
           <a:stretch>
             <a:fillRect/>
           </a:stretch>
@@ -6165,7 +6889,7 @@
           <p:nvPr/>
         </p:nvPicPr>
         <p:blipFill>
-          <a:blip r:embed="rId4"/>
+          <a:blip r:embed="rId5"/>
           <a:stretch>
             <a:fillRect/>
           </a:stretch>
@@ -6193,770 +6917,6 @@
         <p14:creationId xmlns:p14="http://schemas.microsoft.com/office/powerpoint/2010/main" val="2510319764"/>
       </p:ext>
     </p:extLst>
-  </p:cSld>
-  <p:clrMapOvr>
-    <a:masterClrMapping/>
-  </p:clrMapOvr>
-</p:sld>
-</file>
-
-<file path=ppt/slides/slide3.xml><?xml version="1.0" encoding="utf-8"?>
-<p:sld xmlns:a="http://schemas.openxmlformats.org/drawingml/2006/main" xmlns:r="http://schemas.openxmlformats.org/officeDocument/2006/relationships" xmlns:p="http://schemas.openxmlformats.org/presentationml/2006/main" showMasterSp="0">
-  <p:cSld>
-    <p:spTree>
-      <p:nvGrpSpPr>
-        <p:cNvPr id="1" name=""/>
-        <p:cNvGrpSpPr/>
-        <p:nvPr/>
-      </p:nvGrpSpPr>
-      <p:grpSpPr>
-        <a:xfrm>
-          <a:off x="0" y="0"/>
-          <a:ext cx="0" cy="0"/>
-          <a:chOff x="0" y="0"/>
-          <a:chExt cx="0" cy="0"/>
-        </a:xfrm>
-      </p:grpSpPr>
-      <p:sp>
-        <p:nvSpPr>
-          <p:cNvPr id="2" name="object 2"/>
-          <p:cNvSpPr/>
-          <p:nvPr/>
-        </p:nvSpPr>
-        <p:spPr>
-          <a:xfrm>
-            <a:off x="374205" y="1047095"/>
-            <a:ext cx="645160" cy="676275"/>
-          </a:xfrm>
-          <a:custGeom>
-            <a:avLst/>
-            <a:gdLst/>
-            <a:ahLst/>
-            <a:cxnLst/>
-            <a:rect l="l" t="t" r="r" b="b"/>
-            <a:pathLst>
-              <a:path w="645160" h="676275">
-                <a:moveTo>
-                  <a:pt x="644842" y="478929"/>
-                </a:moveTo>
-                <a:lnTo>
-                  <a:pt x="322414" y="84518"/>
-                </a:lnTo>
-                <a:lnTo>
-                  <a:pt x="0" y="478929"/>
-                </a:lnTo>
-                <a:lnTo>
-                  <a:pt x="83591" y="551992"/>
-                </a:lnTo>
-                <a:lnTo>
-                  <a:pt x="302272" y="147904"/>
-                </a:lnTo>
-                <a:lnTo>
-                  <a:pt x="261962" y="676148"/>
-                </a:lnTo>
-                <a:lnTo>
-                  <a:pt x="382879" y="676148"/>
-                </a:lnTo>
-                <a:lnTo>
-                  <a:pt x="342569" y="147904"/>
-                </a:lnTo>
-                <a:lnTo>
-                  <a:pt x="561251" y="551992"/>
-                </a:lnTo>
-                <a:lnTo>
-                  <a:pt x="644842" y="478929"/>
-                </a:lnTo>
-                <a:close/>
-              </a:path>
-              <a:path w="645160" h="676275">
-                <a:moveTo>
-                  <a:pt x="644842" y="0"/>
-                </a:moveTo>
-                <a:lnTo>
-                  <a:pt x="444" y="0"/>
-                </a:lnTo>
-                <a:lnTo>
-                  <a:pt x="444" y="84518"/>
-                </a:lnTo>
-                <a:lnTo>
-                  <a:pt x="322414" y="84518"/>
-                </a:lnTo>
-                <a:lnTo>
-                  <a:pt x="644842" y="84518"/>
-                </a:lnTo>
-                <a:lnTo>
-                  <a:pt x="644842" y="0"/>
-                </a:lnTo>
-                <a:close/>
-              </a:path>
-            </a:pathLst>
-          </a:custGeom>
-          <a:solidFill>
-            <a:srgbClr val="F7A70A"/>
-          </a:solidFill>
-        </p:spPr>
-        <p:txBody>
-          <a:bodyPr wrap="square" lIns="0" tIns="0" rIns="0" bIns="0" rtlCol="0"/>
-          <a:lstStyle/>
-          <a:p>
-            <a:endParaRPr/>
-          </a:p>
-        </p:txBody>
-      </p:sp>
-      <p:sp>
-        <p:nvSpPr>
-          <p:cNvPr id="3" name="object 3"/>
-          <p:cNvSpPr txBox="1">
-            <a:spLocks noGrp="1"/>
-          </p:cNvSpPr>
-          <p:nvPr>
-            <p:ph type="title"/>
-          </p:nvPr>
-        </p:nvSpPr>
-        <p:spPr>
-          <a:xfrm>
-            <a:off x="1243806" y="749412"/>
-            <a:ext cx="7547609" cy="2446182"/>
-          </a:xfrm>
-          <a:prstGeom prst="rect">
-            <a:avLst/>
-          </a:prstGeom>
-        </p:spPr>
-        <p:txBody>
-          <a:bodyPr vert="horz" wrap="square" lIns="0" tIns="14605" rIns="0" bIns="0" rtlCol="0">
-            <a:spAutoFit/>
-          </a:bodyPr>
-          <a:lstStyle/>
-          <a:p>
-            <a:pPr marL="12700">
-              <a:lnSpc>
-                <a:spcPct val="100000"/>
-              </a:lnSpc>
-              <a:spcBef>
-                <a:spcPts val="115"/>
-              </a:spcBef>
-            </a:pPr>
-            <a:r>
-              <a:rPr lang="en-GB" sz="7900" spc="5" dirty="0">
-                <a:solidFill>
-                  <a:srgbClr val="3B3B3B"/>
-                </a:solidFill>
-              </a:rPr>
-              <a:t>Importing into QGIS</a:t>
-            </a:r>
-            <a:endParaRPr sz="7900" dirty="0"/>
-          </a:p>
-        </p:txBody>
-      </p:sp>
-      <p:sp>
-        <p:nvSpPr>
-          <p:cNvPr id="4" name="object 4"/>
-          <p:cNvSpPr txBox="1"/>
-          <p:nvPr/>
-        </p:nvSpPr>
-        <p:spPr>
-          <a:xfrm>
-            <a:off x="1019365" y="3186069"/>
-            <a:ext cx="16047244" cy="3497111"/>
-          </a:xfrm>
-          <a:prstGeom prst="rect">
-            <a:avLst/>
-          </a:prstGeom>
-        </p:spPr>
-        <p:txBody>
-          <a:bodyPr vert="horz" wrap="square" lIns="0" tIns="270510" rIns="0" bIns="0" rtlCol="0">
-            <a:spAutoFit/>
-          </a:bodyPr>
-          <a:lstStyle/>
-          <a:p>
-            <a:pPr marL="12700">
-              <a:lnSpc>
-                <a:spcPct val="100000"/>
-              </a:lnSpc>
-              <a:spcBef>
-                <a:spcPts val="2130"/>
-              </a:spcBef>
-            </a:pPr>
-            <a:r>
-              <a:rPr lang="en-GB" sz="3950" b="1" spc="-5" dirty="0">
-                <a:solidFill>
-                  <a:srgbClr val="F7A70A"/>
-                </a:solidFill>
-                <a:latin typeface="Lato"/>
-                <a:cs typeface="Lato"/>
-              </a:rPr>
-              <a:t>Built into QGIS</a:t>
-            </a:r>
-            <a:endParaRPr sz="3950" dirty="0">
-              <a:latin typeface="Lato"/>
-              <a:cs typeface="Lato"/>
-            </a:endParaRPr>
-          </a:p>
-          <a:p>
-            <a:pPr marL="379095" marR="145415" indent="-367030">
-              <a:lnSpc>
-                <a:spcPts val="3300"/>
-              </a:lnSpc>
-              <a:spcBef>
-                <a:spcPts val="1845"/>
-              </a:spcBef>
-              <a:buClr>
-                <a:srgbClr val="F7A70A"/>
-              </a:buClr>
-              <a:buFont typeface="Lato"/>
-              <a:buChar char="•"/>
-              <a:tabLst>
-                <a:tab pos="379095" algn="l"/>
-                <a:tab pos="379730" algn="l"/>
-                <a:tab pos="1873250" algn="l"/>
-              </a:tabLst>
-            </a:pPr>
-            <a:r>
-              <a:rPr lang="en-GB" sz="2950" spc="-5" dirty="0">
-                <a:solidFill>
-                  <a:srgbClr val="626262"/>
-                </a:solidFill>
-                <a:latin typeface="Lato"/>
-                <a:cs typeface="Lato"/>
-              </a:rPr>
-              <a:t>Can be added to a QGIS project</a:t>
-            </a:r>
-          </a:p>
-          <a:p>
-            <a:pPr marL="379095" marR="145415" indent="-367030">
-              <a:lnSpc>
-                <a:spcPts val="3300"/>
-              </a:lnSpc>
-              <a:spcBef>
-                <a:spcPts val="1845"/>
-              </a:spcBef>
-              <a:buClr>
-                <a:srgbClr val="F7A70A"/>
-              </a:buClr>
-              <a:buFont typeface="Lato"/>
-              <a:buChar char="•"/>
-              <a:tabLst>
-                <a:tab pos="379095" algn="l"/>
-                <a:tab pos="379730" algn="l"/>
-                <a:tab pos="1873250" algn="l"/>
-              </a:tabLst>
-            </a:pPr>
-            <a:r>
-              <a:rPr lang="en-GB" sz="2950" spc="-5" dirty="0">
-                <a:solidFill>
-                  <a:srgbClr val="626262"/>
-                </a:solidFill>
-                <a:latin typeface="Lato"/>
-                <a:cs typeface="Lato"/>
-              </a:rPr>
-              <a:t>In the Browser pane select under </a:t>
-            </a:r>
-            <a:r>
-              <a:rPr lang="en-GB" sz="2950" b="1" spc="-5" dirty="0">
-                <a:solidFill>
-                  <a:srgbClr val="626262"/>
-                </a:solidFill>
-                <a:latin typeface="Lato"/>
-                <a:cs typeface="Lato"/>
-              </a:rPr>
-              <a:t>Vector Tiles</a:t>
-            </a:r>
-            <a:r>
-              <a:rPr lang="en-GB" sz="2950" spc="-5" dirty="0">
-                <a:solidFill>
-                  <a:srgbClr val="626262"/>
-                </a:solidFill>
-                <a:latin typeface="Lato"/>
-                <a:cs typeface="Lato"/>
-              </a:rPr>
-              <a:t> to add a </a:t>
-            </a:r>
-            <a:r>
-              <a:rPr lang="en-GB" sz="2950" b="1" spc="-5" dirty="0">
-                <a:solidFill>
-                  <a:srgbClr val="626262"/>
-                </a:solidFill>
-                <a:latin typeface="Lato"/>
-                <a:cs typeface="Lato"/>
-              </a:rPr>
-              <a:t>New Generic Connection</a:t>
-            </a:r>
-          </a:p>
-          <a:p>
-            <a:pPr marL="836295" marR="145415" lvl="1" indent="-367030">
-              <a:lnSpc>
-                <a:spcPts val="3300"/>
-              </a:lnSpc>
-              <a:spcBef>
-                <a:spcPts val="1845"/>
-              </a:spcBef>
-              <a:buClr>
-                <a:srgbClr val="F7A70A"/>
-              </a:buClr>
-              <a:buFont typeface="Lato"/>
-              <a:buChar char="•"/>
-              <a:tabLst>
-                <a:tab pos="379095" algn="l"/>
-                <a:tab pos="379730" algn="l"/>
-                <a:tab pos="1873250" algn="l"/>
-              </a:tabLst>
-            </a:pPr>
-            <a:r>
-              <a:rPr lang="en-GB" sz="2950" spc="-5" dirty="0">
-                <a:solidFill>
-                  <a:srgbClr val="626262"/>
-                </a:solidFill>
-                <a:latin typeface="Lato"/>
-                <a:cs typeface="Lato"/>
-              </a:rPr>
-              <a:t>URL: https://</a:t>
-            </a:r>
-            <a:r>
-              <a:rPr lang="en-GB" sz="2950" spc="-5" dirty="0" err="1">
-                <a:solidFill>
-                  <a:srgbClr val="626262"/>
-                </a:solidFill>
-                <a:latin typeface="Lato"/>
-                <a:cs typeface="Lato"/>
-              </a:rPr>
-              <a:t>api.os.uk</a:t>
-            </a:r>
-            <a:r>
-              <a:rPr lang="en-GB" sz="2950" spc="-5" dirty="0">
-                <a:solidFill>
-                  <a:srgbClr val="626262"/>
-                </a:solidFill>
-                <a:latin typeface="Lato"/>
-                <a:cs typeface="Lato"/>
-              </a:rPr>
-              <a:t>/maps/vector/v1/</a:t>
-            </a:r>
-            <a:r>
-              <a:rPr lang="en-GB" sz="2950" spc="-5" dirty="0" err="1">
-                <a:solidFill>
-                  <a:srgbClr val="626262"/>
-                </a:solidFill>
-                <a:latin typeface="Lato"/>
-                <a:cs typeface="Lato"/>
-              </a:rPr>
-              <a:t>vts</a:t>
-            </a:r>
-            <a:r>
-              <a:rPr lang="en-GB" sz="2950" spc="-5" dirty="0">
-                <a:solidFill>
-                  <a:srgbClr val="626262"/>
-                </a:solidFill>
-                <a:latin typeface="Lato"/>
-                <a:cs typeface="Lato"/>
-              </a:rPr>
-              <a:t>/tile/{z}/{y}/{x}.</a:t>
-            </a:r>
-            <a:r>
-              <a:rPr lang="en-GB" sz="2950" spc="-5" dirty="0" err="1">
-                <a:solidFill>
-                  <a:srgbClr val="626262"/>
-                </a:solidFill>
-                <a:latin typeface="Lato"/>
-                <a:cs typeface="Lato"/>
-              </a:rPr>
-              <a:t>pbf?srs</a:t>
-            </a:r>
-            <a:r>
-              <a:rPr lang="en-GB" sz="2950" spc="-5" dirty="0">
-                <a:solidFill>
-                  <a:srgbClr val="626262"/>
-                </a:solidFill>
-                <a:latin typeface="Lato"/>
-                <a:cs typeface="Lato"/>
-              </a:rPr>
-              <a:t>=3857&amp;key=</a:t>
-            </a:r>
-          </a:p>
-          <a:p>
-            <a:pPr marL="836295" marR="145415" lvl="1" indent="-367030">
-              <a:lnSpc>
-                <a:spcPts val="3300"/>
-              </a:lnSpc>
-              <a:spcBef>
-                <a:spcPts val="1845"/>
-              </a:spcBef>
-              <a:buClr>
-                <a:srgbClr val="F7A70A"/>
-              </a:buClr>
-              <a:buFont typeface="Lato"/>
-              <a:buChar char="•"/>
-              <a:tabLst>
-                <a:tab pos="379095" algn="l"/>
-                <a:tab pos="379730" algn="l"/>
-                <a:tab pos="1873250" algn="l"/>
-              </a:tabLst>
-            </a:pPr>
-            <a:r>
-              <a:rPr lang="en-GB" sz="2950" spc="-5" dirty="0">
-                <a:solidFill>
-                  <a:srgbClr val="626262"/>
-                </a:solidFill>
-                <a:latin typeface="Lato"/>
-                <a:cs typeface="Lato"/>
-              </a:rPr>
-              <a:t>Style URL: </a:t>
-            </a:r>
-          </a:p>
-        </p:txBody>
-      </p:sp>
-      <p:grpSp>
-        <p:nvGrpSpPr>
-          <p:cNvPr id="9" name="object 9"/>
-          <p:cNvGrpSpPr/>
-          <p:nvPr/>
-        </p:nvGrpSpPr>
-        <p:grpSpPr>
-          <a:xfrm>
-            <a:off x="10190127" y="0"/>
-            <a:ext cx="6425565" cy="3213100"/>
-            <a:chOff x="10190127" y="0"/>
-            <a:chExt cx="6425565" cy="3213100"/>
-          </a:xfrm>
-        </p:grpSpPr>
-        <p:sp>
-          <p:nvSpPr>
-            <p:cNvPr id="10" name="object 10"/>
-            <p:cNvSpPr/>
-            <p:nvPr/>
-          </p:nvSpPr>
-          <p:spPr>
-            <a:xfrm>
-              <a:off x="10190127" y="0"/>
-              <a:ext cx="6425565" cy="3213100"/>
-            </a:xfrm>
-            <a:custGeom>
-              <a:avLst/>
-              <a:gdLst/>
-              <a:ahLst/>
-              <a:cxnLst/>
-              <a:rect l="l" t="t" r="r" b="b"/>
-              <a:pathLst>
-                <a:path w="6425565" h="3213100">
-                  <a:moveTo>
-                    <a:pt x="6425217" y="0"/>
-                  </a:moveTo>
-                  <a:lnTo>
-                    <a:pt x="0" y="0"/>
-                  </a:lnTo>
-                  <a:lnTo>
-                    <a:pt x="3212603" y="3212614"/>
-                  </a:lnTo>
-                  <a:lnTo>
-                    <a:pt x="6425217" y="0"/>
-                  </a:lnTo>
-                  <a:close/>
-                </a:path>
-              </a:pathLst>
-            </a:custGeom>
-            <a:solidFill>
-              <a:srgbClr val="F7A70A"/>
-            </a:solidFill>
-          </p:spPr>
-          <p:txBody>
-            <a:bodyPr wrap="square" lIns="0" tIns="0" rIns="0" bIns="0" rtlCol="0"/>
-            <a:lstStyle/>
-            <a:p>
-              <a:endParaRPr/>
-            </a:p>
-          </p:txBody>
-        </p:sp>
-        <p:sp>
-          <p:nvSpPr>
-            <p:cNvPr id="11" name="object 11"/>
-            <p:cNvSpPr/>
-            <p:nvPr/>
-          </p:nvSpPr>
-          <p:spPr>
-            <a:xfrm>
-              <a:off x="13402736" y="0"/>
-              <a:ext cx="3204845" cy="3213100"/>
-            </a:xfrm>
-            <a:custGeom>
-              <a:avLst/>
-              <a:gdLst/>
-              <a:ahLst/>
-              <a:cxnLst/>
-              <a:rect l="l" t="t" r="r" b="b"/>
-              <a:pathLst>
-                <a:path w="3204844" h="3213100">
-                  <a:moveTo>
-                    <a:pt x="3204381" y="0"/>
-                  </a:moveTo>
-                  <a:lnTo>
-                    <a:pt x="2636349" y="0"/>
-                  </a:lnTo>
-                  <a:lnTo>
-                    <a:pt x="0" y="3212610"/>
-                  </a:lnTo>
-                  <a:lnTo>
-                    <a:pt x="3204381" y="0"/>
-                  </a:lnTo>
-                  <a:close/>
-                </a:path>
-              </a:pathLst>
-            </a:custGeom>
-            <a:solidFill>
-              <a:srgbClr val="F7A70A"/>
-            </a:solidFill>
-          </p:spPr>
-          <p:txBody>
-            <a:bodyPr wrap="square" lIns="0" tIns="0" rIns="0" bIns="0" rtlCol="0"/>
-            <a:lstStyle/>
-            <a:p>
-              <a:endParaRPr/>
-            </a:p>
-          </p:txBody>
-        </p:sp>
-      </p:grpSp>
-      <p:sp>
-        <p:nvSpPr>
-          <p:cNvPr id="12" name="object 12"/>
-          <p:cNvSpPr/>
-          <p:nvPr/>
-        </p:nvSpPr>
-        <p:spPr>
-          <a:xfrm>
-            <a:off x="12329948" y="10250462"/>
-            <a:ext cx="2116455" cy="1058545"/>
-          </a:xfrm>
-          <a:custGeom>
-            <a:avLst/>
-            <a:gdLst/>
-            <a:ahLst/>
-            <a:cxnLst/>
-            <a:rect l="l" t="t" r="r" b="b"/>
-            <a:pathLst>
-              <a:path w="2116455" h="1058545">
-                <a:moveTo>
-                  <a:pt x="1058103" y="0"/>
-                </a:moveTo>
-                <a:lnTo>
-                  <a:pt x="0" y="1058093"/>
-                </a:lnTo>
-                <a:lnTo>
-                  <a:pt x="2116197" y="1058093"/>
-                </a:lnTo>
-                <a:lnTo>
-                  <a:pt x="1058103" y="0"/>
-                </a:lnTo>
-                <a:close/>
-              </a:path>
-            </a:pathLst>
-          </a:custGeom>
-          <a:solidFill>
-            <a:srgbClr val="EBEBEA"/>
-          </a:solidFill>
-        </p:spPr>
-        <p:txBody>
-          <a:bodyPr wrap="square" lIns="0" tIns="0" rIns="0" bIns="0" rtlCol="0"/>
-          <a:lstStyle/>
-          <a:p>
-            <a:endParaRPr/>
-          </a:p>
-        </p:txBody>
-      </p:sp>
-      <p:sp>
-        <p:nvSpPr>
-          <p:cNvPr id="13" name="object 13"/>
-          <p:cNvSpPr txBox="1"/>
-          <p:nvPr/>
-        </p:nvSpPr>
-        <p:spPr>
-          <a:xfrm>
-            <a:off x="428865" y="293660"/>
-            <a:ext cx="535940" cy="553720"/>
-          </a:xfrm>
-          <a:prstGeom prst="rect">
-            <a:avLst/>
-          </a:prstGeom>
-        </p:spPr>
-        <p:txBody>
-          <a:bodyPr vert="horz" wrap="square" lIns="0" tIns="13970" rIns="0" bIns="0" rtlCol="0">
-            <a:spAutoFit/>
-          </a:bodyPr>
-          <a:lstStyle/>
-          <a:p>
-            <a:pPr marL="12700">
-              <a:lnSpc>
-                <a:spcPct val="100000"/>
-              </a:lnSpc>
-              <a:spcBef>
-                <a:spcPts val="110"/>
-              </a:spcBef>
-            </a:pPr>
-            <a:r>
-              <a:rPr sz="3450" spc="5" dirty="0">
-                <a:solidFill>
-                  <a:srgbClr val="F7A70A"/>
-                </a:solidFill>
-                <a:latin typeface="Lato"/>
-                <a:cs typeface="Lato"/>
-              </a:rPr>
-              <a:t>02</a:t>
-            </a:r>
-            <a:endParaRPr sz="3450">
-              <a:latin typeface="Lato"/>
-              <a:cs typeface="Lato"/>
-            </a:endParaRPr>
-          </a:p>
-        </p:txBody>
-      </p:sp>
-      <p:sp>
-        <p:nvSpPr>
-          <p:cNvPr id="14" name="object 14"/>
-          <p:cNvSpPr txBox="1">
-            <a:spLocks noGrp="1"/>
-          </p:cNvSpPr>
-          <p:nvPr>
-            <p:ph type="ftr" sz="quarter" idx="5"/>
-          </p:nvPr>
-        </p:nvSpPr>
-        <p:spPr>
-          <a:prstGeom prst="rect">
-            <a:avLst/>
-          </a:prstGeom>
-        </p:spPr>
-        <p:txBody>
-          <a:bodyPr vert="horz" wrap="square" lIns="0" tIns="11430" rIns="0" bIns="0" rtlCol="0">
-            <a:spAutoFit/>
-          </a:bodyPr>
-          <a:lstStyle/>
-          <a:p>
-            <a:pPr marL="12700">
-              <a:lnSpc>
-                <a:spcPct val="100000"/>
-              </a:lnSpc>
-              <a:spcBef>
-                <a:spcPts val="90"/>
-              </a:spcBef>
-            </a:pPr>
-            <a:r>
-              <a:rPr b="1" spc="80" dirty="0">
-                <a:solidFill>
-                  <a:srgbClr val="F7A70A"/>
-                </a:solidFill>
-                <a:latin typeface="Lato"/>
-                <a:cs typeface="Lato"/>
-              </a:rPr>
-              <a:t>GEOVATION</a:t>
-            </a:r>
-            <a:r>
-              <a:rPr b="1" spc="215" dirty="0">
-                <a:solidFill>
-                  <a:srgbClr val="F7A70A"/>
-                </a:solidFill>
-                <a:latin typeface="Lato"/>
-                <a:cs typeface="Lato"/>
-              </a:rPr>
-              <a:t> </a:t>
-            </a:r>
-            <a:r>
-              <a:rPr spc="80" dirty="0"/>
-              <a:t>FROM</a:t>
-            </a:r>
-            <a:r>
-              <a:rPr spc="215" dirty="0"/>
-              <a:t> </a:t>
-            </a:r>
-            <a:r>
-              <a:rPr spc="100" dirty="0"/>
-              <a:t>ORDNANCE</a:t>
-            </a:r>
-            <a:r>
-              <a:rPr spc="215" dirty="0"/>
-              <a:t> </a:t>
-            </a:r>
-            <a:r>
-              <a:rPr spc="95" dirty="0"/>
-              <a:t>SURVEY</a:t>
-            </a:r>
-            <a:r>
-              <a:rPr spc="-110" dirty="0"/>
-              <a:t> </a:t>
-            </a:r>
-          </a:p>
-        </p:txBody>
-      </p:sp>
-      <p:pic>
-        <p:nvPicPr>
-          <p:cNvPr id="15" name="Picture 14">
-            <a:extLst>
-              <a:ext uri="{FF2B5EF4-FFF2-40B4-BE49-F238E27FC236}">
-                <a16:creationId xmlns:a16="http://schemas.microsoft.com/office/drawing/2014/main" id="{1771D18F-0CE3-2055-5FED-71C700902CE4}"/>
-              </a:ext>
-            </a:extLst>
-          </p:cNvPr>
-          <p:cNvPicPr>
-            <a:picLocks noChangeAspect="1"/>
-          </p:cNvPicPr>
-          <p:nvPr/>
-        </p:nvPicPr>
-        <p:blipFill>
-          <a:blip r:embed="rId2"/>
-          <a:stretch>
-            <a:fillRect/>
-          </a:stretch>
-        </p:blipFill>
-        <p:spPr>
-          <a:xfrm>
-            <a:off x="9070416" y="1047095"/>
-            <a:ext cx="8917023" cy="3272461"/>
-          </a:xfrm>
-          <a:prstGeom prst="rect">
-            <a:avLst/>
-          </a:prstGeom>
-          <a:effectLst>
-            <a:glow rad="265072">
-              <a:schemeClr val="accent1">
-                <a:alpha val="40000"/>
-              </a:schemeClr>
-            </a:glow>
-          </a:effectLst>
-        </p:spPr>
-      </p:pic>
-      <p:pic>
-        <p:nvPicPr>
-          <p:cNvPr id="16" name="Picture 15">
-            <a:extLst>
-              <a:ext uri="{FF2B5EF4-FFF2-40B4-BE49-F238E27FC236}">
-                <a16:creationId xmlns:a16="http://schemas.microsoft.com/office/drawing/2014/main" id="{D880819B-8A3A-66EE-C688-2FA67C163CC1}"/>
-              </a:ext>
-            </a:extLst>
-          </p:cNvPr>
-          <p:cNvPicPr>
-            <a:picLocks noChangeAspect="1"/>
-          </p:cNvPicPr>
-          <p:nvPr/>
-        </p:nvPicPr>
-        <p:blipFill>
-          <a:blip r:embed="rId3"/>
-          <a:stretch>
-            <a:fillRect/>
-          </a:stretch>
-        </p:blipFill>
-        <p:spPr>
-          <a:xfrm>
-            <a:off x="9048826" y="7087859"/>
-            <a:ext cx="9084400" cy="3468589"/>
-          </a:xfrm>
-          <a:prstGeom prst="rect">
-            <a:avLst/>
-          </a:prstGeom>
-          <a:effectLst>
-            <a:glow rad="254775">
-              <a:schemeClr val="accent1">
-                <a:alpha val="40000"/>
-              </a:schemeClr>
-            </a:glow>
-          </a:effectLst>
-        </p:spPr>
-      </p:pic>
-    </p:spTree>
   </p:cSld>
   <p:clrMapOvr>
     <a:masterClrMapping/>
@@ -7080,7 +7040,7 @@
         <p:spPr>
           <a:xfrm>
             <a:off x="1243806" y="749412"/>
-            <a:ext cx="10408444" cy="2446182"/>
+            <a:ext cx="7547609" cy="2446182"/>
           </a:xfrm>
           <a:prstGeom prst="rect">
             <a:avLst/>
@@ -7106,7 +7066,7 @@
                   <a:srgbClr val="3B3B3B"/>
                 </a:solidFill>
               </a:rPr>
-              <a:t>Using in web applications</a:t>
+              <a:t>Importing into QGIS</a:t>
             </a:r>
             <a:endParaRPr sz="7900" dirty="0"/>
           </a:p>
@@ -7120,8 +7080,8 @@
         </p:nvSpPr>
         <p:spPr>
           <a:xfrm>
-            <a:off x="1243806" y="3151294"/>
-            <a:ext cx="16504444" cy="6659515"/>
+            <a:off x="1019365" y="3186069"/>
+            <a:ext cx="16047244" cy="3497111"/>
           </a:xfrm>
           <a:prstGeom prst="rect">
             <a:avLst/>
@@ -7149,16 +7109,20 @@
                 <a:latin typeface="Lato"/>
                 <a:cs typeface="Lato"/>
               </a:rPr>
-              <a:t>Vector tiles in web map applications</a:t>
-            </a:r>
-          </a:p>
-          <a:p>
-            <a:pPr marL="379095" indent="-367030">
+              <a:t>Built into QGIS</a:t>
+            </a:r>
+            <a:endParaRPr sz="3950" dirty="0">
+              <a:latin typeface="Lato"/>
+              <a:cs typeface="Lato"/>
+            </a:endParaRPr>
+          </a:p>
+          <a:p>
+            <a:pPr marL="379095" marR="145415" indent="-367030">
               <a:lnSpc>
-                <a:spcPct val="100000"/>
+                <a:spcPts val="3300"/>
               </a:lnSpc>
               <a:spcBef>
-                <a:spcPts val="1535"/>
+                <a:spcPts val="1845"/>
               </a:spcBef>
               <a:buClr>
                 <a:srgbClr val="F7A70A"/>
@@ -7168,30 +7132,27 @@
               <a:tabLst>
                 <a:tab pos="379095" algn="l"/>
                 <a:tab pos="379730" algn="l"/>
+                <a:tab pos="1873250" algn="l"/>
               </a:tabLst>
             </a:pPr>
             <a:r>
-              <a:rPr lang="en-GB" sz="2950" spc="10" dirty="0">
+              <a:rPr lang="en-GB" sz="2950" spc="-5" dirty="0">
                 <a:solidFill>
                   <a:srgbClr val="626262"/>
                 </a:solidFill>
                 <a:latin typeface="Lato"/>
                 <a:cs typeface="Lato"/>
               </a:rPr>
-              <a:t>Vector tiles are optimised for usage on the web</a:t>
-            </a:r>
-            <a:endParaRPr lang="en-GB" sz="2950" dirty="0">
-              <a:latin typeface="Lato"/>
-              <a:cs typeface="Lato"/>
-            </a:endParaRPr>
-          </a:p>
-          <a:p>
-            <a:pPr marL="379095" indent="-367030">
+              <a:t>Can be added to a QGIS desktop project</a:t>
+            </a:r>
+          </a:p>
+          <a:p>
+            <a:pPr marL="379095" marR="145415" indent="-367030">
               <a:lnSpc>
-                <a:spcPct val="100000"/>
+                <a:spcPts val="3300"/>
               </a:lnSpc>
               <a:spcBef>
-                <a:spcPts val="1535"/>
+                <a:spcPts val="1845"/>
               </a:spcBef>
               <a:buClr>
                 <a:srgbClr val="F7A70A"/>
@@ -7201,23 +7162,57 @@
               <a:tabLst>
                 <a:tab pos="379095" algn="l"/>
                 <a:tab pos="379730" algn="l"/>
+                <a:tab pos="1873250" algn="l"/>
               </a:tabLst>
             </a:pPr>
             <a:r>
-              <a:rPr lang="en-GB" sz="2950" spc="10" dirty="0">
+              <a:rPr lang="en-GB" sz="2950" spc="-5" dirty="0">
                 <a:solidFill>
                   <a:srgbClr val="626262"/>
                 </a:solidFill>
                 <a:latin typeface="Lato"/>
                 <a:cs typeface="Lato"/>
               </a:rPr>
-              <a:t>Requires a suitable JavaScript mapping library</a:t>
-            </a:r>
-          </a:p>
-          <a:p>
-            <a:pPr marL="836295" lvl="1" indent="-367030">
+              <a:t>In the Browser pane select under </a:t>
+            </a:r>
+            <a:r>
+              <a:rPr lang="en-GB" sz="2950" b="1" spc="-5" dirty="0">
+                <a:solidFill>
+                  <a:srgbClr val="626262"/>
+                </a:solidFill>
+                <a:latin typeface="Lato"/>
+                <a:cs typeface="Lato"/>
+              </a:rPr>
+              <a:t>Vector Tiles</a:t>
+            </a:r>
+            <a:r>
+              <a:rPr lang="en-GB" sz="2950" spc="-5" dirty="0">
+                <a:solidFill>
+                  <a:srgbClr val="626262"/>
+                </a:solidFill>
+                <a:latin typeface="Lato"/>
+                <a:cs typeface="Lato"/>
+              </a:rPr>
+              <a:t> to add a </a:t>
+            </a:r>
+            <a:r>
+              <a:rPr lang="en-GB" sz="2950" b="1" spc="-5" dirty="0">
+                <a:solidFill>
+                  <a:srgbClr val="626262"/>
+                </a:solidFill>
+                <a:latin typeface="Lato"/>
+                <a:cs typeface="Lato"/>
+              </a:rPr>
+              <a:t>New Generic Connection</a:t>
+            </a:r>
+          </a:p>
+          <a:p>
+            <a:pPr marL="836295" marR="145415" lvl="1" indent="-367030">
+              <a:lnSpc>
+                <a:spcPts val="3300"/>
+              </a:lnSpc>
               <a:spcBef>
-                <a:spcPts val="1735"/>
+                <a:spcPts val="1845"/>
               </a:spcBef>
               <a:buClr>
                 <a:srgbClr val="F7A70A"/>
@@ -7227,23 +7222,87 @@
               <a:tabLst>
                 <a:tab pos="379095" algn="l"/>
                 <a:tab pos="379730" algn="l"/>
+                <a:tab pos="1873250" algn="l"/>
               </a:tabLst>
             </a:pPr>
             <a:r>
-              <a:rPr lang="en-GB" sz="2950" spc="10" dirty="0">
+              <a:rPr lang="en-GB" sz="2950" spc="-5" dirty="0">
                 <a:solidFill>
                   <a:srgbClr val="626262"/>
                 </a:solidFill>
                 <a:latin typeface="Lato"/>
                 <a:cs typeface="Lato"/>
               </a:rPr>
-              <a:t>Leaflet</a:t>
-            </a:r>
-          </a:p>
-          <a:p>
-            <a:pPr marL="836295" lvl="1" indent="-367030">
+              <a:t>URL: https://</a:t>
+            </a:r>
+            <a:r>
+              <a:rPr lang="en-GB" sz="2950" spc="-5" dirty="0" err="1">
+                <a:solidFill>
+                  <a:srgbClr val="626262"/>
+                </a:solidFill>
+                <a:latin typeface="Lato"/>
+                <a:cs typeface="Lato"/>
+              </a:rPr>
+              <a:t>api.os.uk</a:t>
+            </a:r>
+            <a:r>
+              <a:rPr lang="en-GB" sz="2950" spc="-5" dirty="0">
+                <a:solidFill>
+                  <a:srgbClr val="626262"/>
+                </a:solidFill>
+                <a:latin typeface="Lato"/>
+                <a:cs typeface="Lato"/>
+              </a:rPr>
+              <a:t>/maps/vector/v1/</a:t>
+            </a:r>
+            <a:r>
+              <a:rPr lang="en-GB" sz="2950" spc="-5" dirty="0" err="1">
+                <a:solidFill>
+                  <a:srgbClr val="626262"/>
+                </a:solidFill>
+                <a:latin typeface="Lato"/>
+                <a:cs typeface="Lato"/>
+              </a:rPr>
+              <a:t>vts</a:t>
+            </a:r>
+            <a:r>
+              <a:rPr lang="en-GB" sz="2950" spc="-5" dirty="0">
+                <a:solidFill>
+                  <a:srgbClr val="626262"/>
+                </a:solidFill>
+                <a:latin typeface="Lato"/>
+                <a:cs typeface="Lato"/>
+              </a:rPr>
+              <a:t>/tile/{z}/{y}/{x}.</a:t>
+            </a:r>
+            <a:r>
+              <a:rPr lang="en-GB" sz="2950" spc="-5" dirty="0" err="1">
+                <a:solidFill>
+                  <a:srgbClr val="626262"/>
+                </a:solidFill>
+                <a:latin typeface="Lato"/>
+                <a:cs typeface="Lato"/>
+              </a:rPr>
+              <a:t>pbf?srs</a:t>
+            </a:r>
+            <a:r>
+              <a:rPr lang="en-GB" sz="2950" spc="-5" dirty="0">
+                <a:solidFill>
+                  <a:srgbClr val="626262"/>
+                </a:solidFill>
+                <a:latin typeface="Lato"/>
+                <a:cs typeface="Lato"/>
+              </a:rPr>
+              <a:t>=3857&amp;key=</a:t>
+            </a:r>
+          </a:p>
+          <a:p>
+            <a:pPr marL="836295" marR="145415" lvl="1" indent="-367030">
+              <a:lnSpc>
+                <a:spcPts val="3300"/>
+              </a:lnSpc>
               <a:spcBef>
-                <a:spcPts val="1735"/>
+                <a:spcPts val="1845"/>
               </a:spcBef>
               <a:buClr>
                 <a:srgbClr val="F7A70A"/>
@@ -7253,174 +7312,79 @@
               <a:tabLst>
                 <a:tab pos="379095" algn="l"/>
                 <a:tab pos="379730" algn="l"/>
+                <a:tab pos="1873250" algn="l"/>
               </a:tabLst>
             </a:pPr>
             <a:r>
-              <a:rPr lang="en-GB" sz="2950" spc="10" dirty="0" err="1">
+              <a:rPr lang="en-GB" sz="2950" spc="-5" dirty="0">
                 <a:solidFill>
                   <a:srgbClr val="626262"/>
                 </a:solidFill>
                 <a:latin typeface="Lato"/>
                 <a:cs typeface="Lato"/>
               </a:rPr>
-              <a:t>Mapbox</a:t>
-            </a:r>
-            <a:endParaRPr lang="en-GB" sz="2950" spc="10" dirty="0">
-              <a:solidFill>
-                <a:srgbClr val="626262"/>
-              </a:solidFill>
-              <a:latin typeface="Lato"/>
-              <a:cs typeface="Lato"/>
-            </a:endParaRPr>
-          </a:p>
-          <a:p>
-            <a:pPr marL="836295" lvl="1" indent="-367030">
-              <a:spcBef>
-                <a:spcPts val="1735"/>
-              </a:spcBef>
-              <a:buClr>
-                <a:srgbClr val="F7A70A"/>
-              </a:buClr>
-              <a:buFont typeface="Lato"/>
-              <a:buChar char="•"/>
-              <a:tabLst>
-                <a:tab pos="379095" algn="l"/>
-                <a:tab pos="379730" algn="l"/>
-              </a:tabLst>
-            </a:pPr>
-            <a:r>
-              <a:rPr lang="en-GB" sz="2950" spc="10" dirty="0" err="1">
+              <a:t>Style URL: https://</a:t>
+            </a:r>
+            <a:r>
+              <a:rPr lang="en-GB" sz="2950" spc="-5" dirty="0" err="1">
                 <a:solidFill>
                   <a:srgbClr val="626262"/>
                 </a:solidFill>
                 <a:latin typeface="Lato"/>
                 <a:cs typeface="Lato"/>
               </a:rPr>
-              <a:t>MapLibre</a:t>
-            </a:r>
-            <a:endParaRPr lang="en-GB" sz="2950" spc="10" dirty="0">
-              <a:solidFill>
-                <a:srgbClr val="626262"/>
-              </a:solidFill>
-              <a:latin typeface="Lato"/>
-              <a:cs typeface="Lato"/>
-            </a:endParaRPr>
-          </a:p>
-          <a:p>
-            <a:pPr marL="836295" lvl="1" indent="-367030">
-              <a:spcBef>
-                <a:spcPts val="1735"/>
-              </a:spcBef>
-              <a:buClr>
-                <a:srgbClr val="F7A70A"/>
-              </a:buClr>
-              <a:buFont typeface="Lato"/>
-              <a:buChar char="•"/>
-              <a:tabLst>
-                <a:tab pos="379095" algn="l"/>
-                <a:tab pos="379730" algn="l"/>
-              </a:tabLst>
-            </a:pPr>
-            <a:r>
-              <a:rPr lang="en-GB" sz="2950" spc="10" dirty="0" err="1">
+              <a:t>api.os.uk</a:t>
+            </a:r>
+            <a:r>
+              <a:rPr lang="en-GB" sz="2950" spc="-5" dirty="0">
                 <a:solidFill>
                   <a:srgbClr val="626262"/>
                 </a:solidFill>
                 <a:latin typeface="Lato"/>
                 <a:cs typeface="Lato"/>
               </a:rPr>
-              <a:t>OpenLayers</a:t>
-            </a:r>
-            <a:endParaRPr lang="en-GB" sz="2950" spc="10" dirty="0">
-              <a:solidFill>
-                <a:srgbClr val="626262"/>
-              </a:solidFill>
-              <a:latin typeface="Lato"/>
-              <a:cs typeface="Lato"/>
-            </a:endParaRPr>
-          </a:p>
-          <a:p>
-            <a:pPr marL="379095" indent="-367030">
-              <a:spcBef>
-                <a:spcPts val="1735"/>
-              </a:spcBef>
-              <a:buClr>
-                <a:srgbClr val="F7A70A"/>
-              </a:buClr>
-              <a:buFont typeface="Lato"/>
-              <a:buChar char="•"/>
-              <a:tabLst>
-                <a:tab pos="379095" algn="l"/>
-                <a:tab pos="379730" algn="l"/>
-              </a:tabLst>
-            </a:pPr>
-            <a:r>
-              <a:rPr lang="en-GB" sz="2950" spc="10" dirty="0">
+              <a:t>/maps/vector/v1/</a:t>
+            </a:r>
+            <a:r>
+              <a:rPr lang="en-GB" sz="2950" spc="-5" dirty="0" err="1">
                 <a:solidFill>
                   <a:srgbClr val="626262"/>
                 </a:solidFill>
                 <a:latin typeface="Lato"/>
                 <a:cs typeface="Lato"/>
               </a:rPr>
-              <a:t>See getting started guide in the Docs section of the OS Data Hub </a:t>
-            </a:r>
-            <a:r>
-              <a:rPr lang="en-GB" sz="2950" spc="10" dirty="0">
-                <a:solidFill>
-                  <a:srgbClr val="C00000"/>
-                </a:solidFill>
-                <a:latin typeface="Lato"/>
-                <a:cs typeface="Lato"/>
-                <a:hlinkClick r:id="rId2">
-                  <a:extLst>
-                    <a:ext uri="{A12FA001-AC4F-418D-AE19-62706E023703}">
-                      <ahyp:hlinkClr xmlns:ahyp="http://schemas.microsoft.com/office/drawing/2018/hyperlinkcolor" val="tx"/>
-                    </a:ext>
-                  </a:extLst>
-                </a:hlinkClick>
-              </a:rPr>
-              <a:t>https://osdatahub.os.uk/docs/vts/gettingStarted</a:t>
-            </a:r>
-            <a:r>
-              <a:rPr lang="en-GB" sz="2950" spc="10" dirty="0">
-                <a:solidFill>
-                  <a:srgbClr val="C00000"/>
-                </a:solidFill>
-                <a:latin typeface="Lato"/>
-                <a:cs typeface="Lato"/>
-              </a:rPr>
-              <a:t> </a:t>
-            </a:r>
-            <a:r>
-              <a:rPr lang="en-GB" sz="2950" spc="10" dirty="0">
+              <a:t>vts</a:t>
+            </a:r>
+            <a:r>
+              <a:rPr lang="en-GB" sz="2950" spc="-5" dirty="0">
                 <a:solidFill>
                   <a:srgbClr val="626262"/>
                 </a:solidFill>
                 <a:latin typeface="Lato"/>
                 <a:cs typeface="Lato"/>
               </a:rPr>
-              <a:t>including downloadable demo project. </a:t>
-            </a:r>
-          </a:p>
-          <a:p>
-            <a:pPr marL="836295" lvl="1" indent="-367030">
-              <a:spcBef>
-                <a:spcPts val="1735"/>
-              </a:spcBef>
-              <a:buClr>
-                <a:srgbClr val="F7A70A"/>
-              </a:buClr>
-              <a:buFont typeface="Lato"/>
-              <a:buChar char="•"/>
-              <a:tabLst>
-                <a:tab pos="379095" algn="l"/>
-                <a:tab pos="379730" algn="l"/>
-              </a:tabLst>
-            </a:pPr>
-            <a:endParaRPr lang="en-GB" sz="2950" dirty="0">
-              <a:latin typeface="Lato"/>
-              <a:cs typeface="Lato"/>
-            </a:endParaRPr>
+              <a:t>/resources/</a:t>
+            </a:r>
+            <a:r>
+              <a:rPr lang="en-GB" sz="2950" spc="-5" dirty="0" err="1">
+                <a:solidFill>
+                  <a:srgbClr val="626262"/>
+                </a:solidFill>
+                <a:latin typeface="Lato"/>
+                <a:cs typeface="Lato"/>
+              </a:rPr>
+              <a:t>styles?srs</a:t>
+            </a:r>
+            <a:r>
+              <a:rPr lang="en-GB" sz="2950" spc="-5" dirty="0">
+                <a:solidFill>
+                  <a:srgbClr val="626262"/>
+                </a:solidFill>
+                <a:latin typeface="Lato"/>
+                <a:cs typeface="Lato"/>
+              </a:rPr>
+              <a:t>=3857&amp;key=</a:t>
+            </a:r>
           </a:p>
         </p:txBody>
       </p:sp>
@@ -7432,7 +7396,7 @@
         </p:nvGrpSpPr>
         <p:grpSpPr>
           <a:xfrm>
-            <a:off x="10184715" y="-646777"/>
+            <a:off x="10190127" y="0"/>
             <a:ext cx="6425565" cy="3213100"/>
             <a:chOff x="10190127" y="0"/>
             <a:chExt cx="6425565" cy="3213100"/>
@@ -7617,7 +7581,7 @@
                 <a:latin typeface="Lato"/>
                 <a:cs typeface="Lato"/>
               </a:rPr>
-              <a:t>03</a:t>
+              <a:t>02</a:t>
             </a:r>
             <a:endParaRPr sz="3450">
               <a:latin typeface="Lato"/>
@@ -7704,6 +7668,826 @@
       </p:sp>
       <p:pic>
         <p:nvPicPr>
+          <p:cNvPr id="15" name="Picture 14">
+            <a:extLst>
+              <a:ext uri="{FF2B5EF4-FFF2-40B4-BE49-F238E27FC236}">
+                <a16:creationId xmlns:a16="http://schemas.microsoft.com/office/drawing/2014/main" id="{1771D18F-0CE3-2055-5FED-71C700902CE4}"/>
+              </a:ext>
+            </a:extLst>
+          </p:cNvPr>
+          <p:cNvPicPr>
+            <a:picLocks noChangeAspect="1"/>
+          </p:cNvPicPr>
+          <p:nvPr/>
+        </p:nvPicPr>
+        <p:blipFill>
+          <a:blip r:embed="rId3"/>
+          <a:stretch>
+            <a:fillRect/>
+          </a:stretch>
+        </p:blipFill>
+        <p:spPr>
+          <a:xfrm>
+            <a:off x="9070416" y="1047095"/>
+            <a:ext cx="8917023" cy="3272461"/>
+          </a:xfrm>
+          <a:prstGeom prst="rect">
+            <a:avLst/>
+          </a:prstGeom>
+          <a:effectLst>
+            <a:glow rad="265072">
+              <a:schemeClr val="accent1">
+                <a:alpha val="40000"/>
+              </a:schemeClr>
+            </a:glow>
+          </a:effectLst>
+        </p:spPr>
+      </p:pic>
+      <p:pic>
+        <p:nvPicPr>
+          <p:cNvPr id="16" name="Picture 15">
+            <a:extLst>
+              <a:ext uri="{FF2B5EF4-FFF2-40B4-BE49-F238E27FC236}">
+                <a16:creationId xmlns:a16="http://schemas.microsoft.com/office/drawing/2014/main" id="{D880819B-8A3A-66EE-C688-2FA67C163CC1}"/>
+              </a:ext>
+            </a:extLst>
+          </p:cNvPr>
+          <p:cNvPicPr>
+            <a:picLocks noChangeAspect="1"/>
+          </p:cNvPicPr>
+          <p:nvPr/>
+        </p:nvPicPr>
+        <p:blipFill>
+          <a:blip r:embed="rId4"/>
+          <a:stretch>
+            <a:fillRect/>
+          </a:stretch>
+        </p:blipFill>
+        <p:spPr>
+          <a:xfrm>
+            <a:off x="9048826" y="7087859"/>
+            <a:ext cx="9084400" cy="3468589"/>
+          </a:xfrm>
+          <a:prstGeom prst="rect">
+            <a:avLst/>
+          </a:prstGeom>
+          <a:effectLst>
+            <a:glow rad="254775">
+              <a:schemeClr val="accent1">
+                <a:alpha val="40000"/>
+              </a:schemeClr>
+            </a:glow>
+          </a:effectLst>
+        </p:spPr>
+      </p:pic>
+    </p:spTree>
+  </p:cSld>
+  <p:clrMapOvr>
+    <a:masterClrMapping/>
+  </p:clrMapOvr>
+</p:sld>
+</file>
+
+<file path=ppt/slides/slide5.xml><?xml version="1.0" encoding="utf-8"?>
+<p:sld xmlns:a="http://schemas.openxmlformats.org/drawingml/2006/main" xmlns:r="http://schemas.openxmlformats.org/officeDocument/2006/relationships" xmlns:p="http://schemas.openxmlformats.org/presentationml/2006/main" showMasterSp="0">
+  <p:cSld>
+    <p:spTree>
+      <p:nvGrpSpPr>
+        <p:cNvPr id="1" name=""/>
+        <p:cNvGrpSpPr/>
+        <p:nvPr/>
+      </p:nvGrpSpPr>
+      <p:grpSpPr>
+        <a:xfrm>
+          <a:off x="0" y="0"/>
+          <a:ext cx="0" cy="0"/>
+          <a:chOff x="0" y="0"/>
+          <a:chExt cx="0" cy="0"/>
+        </a:xfrm>
+      </p:grpSpPr>
+      <p:sp>
+        <p:nvSpPr>
+          <p:cNvPr id="2" name="object 2"/>
+          <p:cNvSpPr/>
+          <p:nvPr/>
+        </p:nvSpPr>
+        <p:spPr>
+          <a:xfrm>
+            <a:off x="374205" y="1047095"/>
+            <a:ext cx="645160" cy="676275"/>
+          </a:xfrm>
+          <a:custGeom>
+            <a:avLst/>
+            <a:gdLst/>
+            <a:ahLst/>
+            <a:cxnLst/>
+            <a:rect l="l" t="t" r="r" b="b"/>
+            <a:pathLst>
+              <a:path w="645160" h="676275">
+                <a:moveTo>
+                  <a:pt x="644842" y="478929"/>
+                </a:moveTo>
+                <a:lnTo>
+                  <a:pt x="322414" y="84518"/>
+                </a:lnTo>
+                <a:lnTo>
+                  <a:pt x="0" y="478929"/>
+                </a:lnTo>
+                <a:lnTo>
+                  <a:pt x="83591" y="551992"/>
+                </a:lnTo>
+                <a:lnTo>
+                  <a:pt x="302272" y="147904"/>
+                </a:lnTo>
+                <a:lnTo>
+                  <a:pt x="261962" y="676148"/>
+                </a:lnTo>
+                <a:lnTo>
+                  <a:pt x="382879" y="676148"/>
+                </a:lnTo>
+                <a:lnTo>
+                  <a:pt x="342569" y="147904"/>
+                </a:lnTo>
+                <a:lnTo>
+                  <a:pt x="561251" y="551992"/>
+                </a:lnTo>
+                <a:lnTo>
+                  <a:pt x="644842" y="478929"/>
+                </a:lnTo>
+                <a:close/>
+              </a:path>
+              <a:path w="645160" h="676275">
+                <a:moveTo>
+                  <a:pt x="644842" y="0"/>
+                </a:moveTo>
+                <a:lnTo>
+                  <a:pt x="444" y="0"/>
+                </a:lnTo>
+                <a:lnTo>
+                  <a:pt x="444" y="84518"/>
+                </a:lnTo>
+                <a:lnTo>
+                  <a:pt x="322414" y="84518"/>
+                </a:lnTo>
+                <a:lnTo>
+                  <a:pt x="644842" y="84518"/>
+                </a:lnTo>
+                <a:lnTo>
+                  <a:pt x="644842" y="0"/>
+                </a:lnTo>
+                <a:close/>
+              </a:path>
+            </a:pathLst>
+          </a:custGeom>
+          <a:solidFill>
+            <a:srgbClr val="F7A70A"/>
+          </a:solidFill>
+        </p:spPr>
+        <p:txBody>
+          <a:bodyPr wrap="square" lIns="0" tIns="0" rIns="0" bIns="0" rtlCol="0"/>
+          <a:lstStyle/>
+          <a:p>
+            <a:endParaRPr/>
+          </a:p>
+        </p:txBody>
+      </p:sp>
+      <p:sp>
+        <p:nvSpPr>
+          <p:cNvPr id="3" name="object 3"/>
+          <p:cNvSpPr txBox="1">
+            <a:spLocks noGrp="1"/>
+          </p:cNvSpPr>
+          <p:nvPr>
+            <p:ph type="title"/>
+          </p:nvPr>
+        </p:nvSpPr>
+        <p:spPr>
+          <a:xfrm>
+            <a:off x="1243806" y="749412"/>
+            <a:ext cx="10408444" cy="2446182"/>
+          </a:xfrm>
+          <a:prstGeom prst="rect">
+            <a:avLst/>
+          </a:prstGeom>
+        </p:spPr>
+        <p:txBody>
+          <a:bodyPr vert="horz" wrap="square" lIns="0" tIns="14605" rIns="0" bIns="0" rtlCol="0">
+            <a:spAutoFit/>
+          </a:bodyPr>
+          <a:lstStyle/>
+          <a:p>
+            <a:pPr marL="12700">
+              <a:lnSpc>
+                <a:spcPct val="100000"/>
+              </a:lnSpc>
+              <a:spcBef>
+                <a:spcPts val="115"/>
+              </a:spcBef>
+            </a:pPr>
+            <a:r>
+              <a:rPr lang="en-GB" sz="7900" spc="5" dirty="0">
+                <a:solidFill>
+                  <a:srgbClr val="3B3B3B"/>
+                </a:solidFill>
+              </a:rPr>
+              <a:t>Using in web applications</a:t>
+            </a:r>
+            <a:endParaRPr sz="7900" dirty="0"/>
+          </a:p>
+        </p:txBody>
+      </p:sp>
+      <p:sp>
+        <p:nvSpPr>
+          <p:cNvPr id="4" name="object 4"/>
+          <p:cNvSpPr txBox="1"/>
+          <p:nvPr/>
+        </p:nvSpPr>
+        <p:spPr>
+          <a:xfrm>
+            <a:off x="1243806" y="3151294"/>
+            <a:ext cx="16504444" cy="6659515"/>
+          </a:xfrm>
+          <a:prstGeom prst="rect">
+            <a:avLst/>
+          </a:prstGeom>
+        </p:spPr>
+        <p:txBody>
+          <a:bodyPr vert="horz" wrap="square" lIns="0" tIns="270510" rIns="0" bIns="0" rtlCol="0">
+            <a:spAutoFit/>
+          </a:bodyPr>
+          <a:lstStyle/>
+          <a:p>
+            <a:pPr marL="12700">
+              <a:lnSpc>
+                <a:spcPct val="100000"/>
+              </a:lnSpc>
+              <a:spcBef>
+                <a:spcPts val="2130"/>
+              </a:spcBef>
+            </a:pPr>
+            <a:r>
+              <a:rPr lang="en-GB" sz="3950" b="1" spc="-5" dirty="0">
+                <a:solidFill>
+                  <a:srgbClr val="F7A70A"/>
+                </a:solidFill>
+                <a:latin typeface="Lato"/>
+                <a:cs typeface="Lato"/>
+              </a:rPr>
+              <a:t>Vector tiles in web map applications</a:t>
+            </a:r>
+          </a:p>
+          <a:p>
+            <a:pPr marL="379095" indent="-367030">
+              <a:lnSpc>
+                <a:spcPct val="100000"/>
+              </a:lnSpc>
+              <a:spcBef>
+                <a:spcPts val="1535"/>
+              </a:spcBef>
+              <a:buClr>
+                <a:srgbClr val="F7A70A"/>
+              </a:buClr>
+              <a:buFont typeface="Lato"/>
+              <a:buChar char="•"/>
+              <a:tabLst>
+                <a:tab pos="379095" algn="l"/>
+                <a:tab pos="379730" algn="l"/>
+              </a:tabLst>
+            </a:pPr>
+            <a:r>
+              <a:rPr lang="en-GB" sz="2950" spc="10" dirty="0">
+                <a:solidFill>
+                  <a:srgbClr val="626262"/>
+                </a:solidFill>
+                <a:latin typeface="Lato"/>
+                <a:cs typeface="Lato"/>
+              </a:rPr>
+              <a:t>Vector tiles are optimised for usage on the web</a:t>
+            </a:r>
+            <a:endParaRPr lang="en-GB" sz="2950" dirty="0">
+              <a:latin typeface="Lato"/>
+              <a:cs typeface="Lato"/>
+            </a:endParaRPr>
+          </a:p>
+          <a:p>
+            <a:pPr marL="379095" indent="-367030">
+              <a:lnSpc>
+                <a:spcPct val="100000"/>
+              </a:lnSpc>
+              <a:spcBef>
+                <a:spcPts val="1535"/>
+              </a:spcBef>
+              <a:buClr>
+                <a:srgbClr val="F7A70A"/>
+              </a:buClr>
+              <a:buFont typeface="Lato"/>
+              <a:buChar char="•"/>
+              <a:tabLst>
+                <a:tab pos="379095" algn="l"/>
+                <a:tab pos="379730" algn="l"/>
+              </a:tabLst>
+            </a:pPr>
+            <a:r>
+              <a:rPr lang="en-GB" sz="2950" spc="10" dirty="0">
+                <a:solidFill>
+                  <a:srgbClr val="626262"/>
+                </a:solidFill>
+                <a:latin typeface="Lato"/>
+                <a:cs typeface="Lato"/>
+              </a:rPr>
+              <a:t>Requires a suitable JavaScript mapping library</a:t>
+            </a:r>
+          </a:p>
+          <a:p>
+            <a:pPr marL="836295" lvl="1" indent="-367030">
+              <a:spcBef>
+                <a:spcPts val="1735"/>
+              </a:spcBef>
+              <a:buClr>
+                <a:srgbClr val="F7A70A"/>
+              </a:buClr>
+              <a:buFont typeface="Lato"/>
+              <a:buChar char="•"/>
+              <a:tabLst>
+                <a:tab pos="379095" algn="l"/>
+                <a:tab pos="379730" algn="l"/>
+              </a:tabLst>
+            </a:pPr>
+            <a:r>
+              <a:rPr lang="en-GB" sz="2950" spc="10" dirty="0">
+                <a:solidFill>
+                  <a:srgbClr val="626262"/>
+                </a:solidFill>
+                <a:latin typeface="Lato"/>
+                <a:cs typeface="Lato"/>
+              </a:rPr>
+              <a:t>Leaflet</a:t>
+            </a:r>
+          </a:p>
+          <a:p>
+            <a:pPr marL="836295" lvl="1" indent="-367030">
+              <a:spcBef>
+                <a:spcPts val="1735"/>
+              </a:spcBef>
+              <a:buClr>
+                <a:srgbClr val="F7A70A"/>
+              </a:buClr>
+              <a:buFont typeface="Lato"/>
+              <a:buChar char="•"/>
+              <a:tabLst>
+                <a:tab pos="379095" algn="l"/>
+                <a:tab pos="379730" algn="l"/>
+              </a:tabLst>
+            </a:pPr>
+            <a:r>
+              <a:rPr lang="en-GB" sz="2950" spc="10" dirty="0" err="1">
+                <a:solidFill>
+                  <a:srgbClr val="626262"/>
+                </a:solidFill>
+                <a:latin typeface="Lato"/>
+                <a:cs typeface="Lato"/>
+              </a:rPr>
+              <a:t>Mapbox</a:t>
+            </a:r>
+            <a:endParaRPr lang="en-GB" sz="2950" spc="10" dirty="0">
+              <a:solidFill>
+                <a:srgbClr val="626262"/>
+              </a:solidFill>
+              <a:latin typeface="Lato"/>
+              <a:cs typeface="Lato"/>
+            </a:endParaRPr>
+          </a:p>
+          <a:p>
+            <a:pPr marL="836295" lvl="1" indent="-367030">
+              <a:spcBef>
+                <a:spcPts val="1735"/>
+              </a:spcBef>
+              <a:buClr>
+                <a:srgbClr val="F7A70A"/>
+              </a:buClr>
+              <a:buFont typeface="Lato"/>
+              <a:buChar char="•"/>
+              <a:tabLst>
+                <a:tab pos="379095" algn="l"/>
+                <a:tab pos="379730" algn="l"/>
+              </a:tabLst>
+            </a:pPr>
+            <a:r>
+              <a:rPr lang="en-GB" sz="2950" spc="10" dirty="0" err="1">
+                <a:solidFill>
+                  <a:srgbClr val="626262"/>
+                </a:solidFill>
+                <a:latin typeface="Lato"/>
+                <a:cs typeface="Lato"/>
+              </a:rPr>
+              <a:t>MapLibre</a:t>
+            </a:r>
+            <a:endParaRPr lang="en-GB" sz="2950" spc="10" dirty="0">
+              <a:solidFill>
+                <a:srgbClr val="626262"/>
+              </a:solidFill>
+              <a:latin typeface="Lato"/>
+              <a:cs typeface="Lato"/>
+            </a:endParaRPr>
+          </a:p>
+          <a:p>
+            <a:pPr marL="836295" lvl="1" indent="-367030">
+              <a:spcBef>
+                <a:spcPts val="1735"/>
+              </a:spcBef>
+              <a:buClr>
+                <a:srgbClr val="F7A70A"/>
+              </a:buClr>
+              <a:buFont typeface="Lato"/>
+              <a:buChar char="•"/>
+              <a:tabLst>
+                <a:tab pos="379095" algn="l"/>
+                <a:tab pos="379730" algn="l"/>
+              </a:tabLst>
+            </a:pPr>
+            <a:r>
+              <a:rPr lang="en-GB" sz="2950" spc="10" dirty="0" err="1">
+                <a:solidFill>
+                  <a:srgbClr val="626262"/>
+                </a:solidFill>
+                <a:latin typeface="Lato"/>
+                <a:cs typeface="Lato"/>
+              </a:rPr>
+              <a:t>OpenLayers</a:t>
+            </a:r>
+            <a:endParaRPr lang="en-GB" sz="2950" spc="10" dirty="0">
+              <a:solidFill>
+                <a:srgbClr val="626262"/>
+              </a:solidFill>
+              <a:latin typeface="Lato"/>
+              <a:cs typeface="Lato"/>
+            </a:endParaRPr>
+          </a:p>
+          <a:p>
+            <a:pPr marL="379095" indent="-367030">
+              <a:spcBef>
+                <a:spcPts val="1735"/>
+              </a:spcBef>
+              <a:buClr>
+                <a:srgbClr val="F7A70A"/>
+              </a:buClr>
+              <a:buFont typeface="Lato"/>
+              <a:buChar char="•"/>
+              <a:tabLst>
+                <a:tab pos="379095" algn="l"/>
+                <a:tab pos="379730" algn="l"/>
+              </a:tabLst>
+            </a:pPr>
+            <a:r>
+              <a:rPr lang="en-GB" sz="2950" spc="10" dirty="0">
+                <a:solidFill>
+                  <a:srgbClr val="626262"/>
+                </a:solidFill>
+                <a:latin typeface="Lato"/>
+                <a:cs typeface="Lato"/>
+              </a:rPr>
+              <a:t>See getting started guide in the Docs section of the OS Data Hub </a:t>
+            </a:r>
+            <a:r>
+              <a:rPr lang="en-GB" sz="2950" spc="10" dirty="0">
+                <a:solidFill>
+                  <a:srgbClr val="C00000"/>
+                </a:solidFill>
+                <a:latin typeface="Lato"/>
+                <a:cs typeface="Lato"/>
+                <a:hlinkClick r:id="rId3">
+                  <a:extLst>
+                    <a:ext uri="{A12FA001-AC4F-418D-AE19-62706E023703}">
+                      <ahyp:hlinkClr xmlns:ahyp="http://schemas.microsoft.com/office/drawing/2018/hyperlinkcolor" val="tx"/>
+                    </a:ext>
+                  </a:extLst>
+                </a:hlinkClick>
+              </a:rPr>
+              <a:t>https://osdatahub.os.uk/docs/vts/gettingStarted</a:t>
+            </a:r>
+            <a:r>
+              <a:rPr lang="en-GB" sz="2950" spc="10" dirty="0">
+                <a:solidFill>
+                  <a:srgbClr val="C00000"/>
+                </a:solidFill>
+                <a:latin typeface="Lato"/>
+                <a:cs typeface="Lato"/>
+              </a:rPr>
+              <a:t> </a:t>
+            </a:r>
+            <a:r>
+              <a:rPr lang="en-GB" sz="2950" spc="10" dirty="0">
+                <a:solidFill>
+                  <a:srgbClr val="626262"/>
+                </a:solidFill>
+                <a:latin typeface="Lato"/>
+                <a:cs typeface="Lato"/>
+              </a:rPr>
+              <a:t>including downloadable demo project. </a:t>
+            </a:r>
+          </a:p>
+          <a:p>
+            <a:pPr marL="836295" lvl="1" indent="-367030">
+              <a:spcBef>
+                <a:spcPts val="1735"/>
+              </a:spcBef>
+              <a:buClr>
+                <a:srgbClr val="F7A70A"/>
+              </a:buClr>
+              <a:buFont typeface="Lato"/>
+              <a:buChar char="•"/>
+              <a:tabLst>
+                <a:tab pos="379095" algn="l"/>
+                <a:tab pos="379730" algn="l"/>
+              </a:tabLst>
+            </a:pPr>
+            <a:endParaRPr lang="en-GB" sz="2950" dirty="0">
+              <a:latin typeface="Lato"/>
+              <a:cs typeface="Lato"/>
+            </a:endParaRPr>
+          </a:p>
+        </p:txBody>
+      </p:sp>
+      <p:grpSp>
+        <p:nvGrpSpPr>
+          <p:cNvPr id="9" name="object 9"/>
+          <p:cNvGrpSpPr/>
+          <p:nvPr/>
+        </p:nvGrpSpPr>
+        <p:grpSpPr>
+          <a:xfrm>
+            <a:off x="10184715" y="-646777"/>
+            <a:ext cx="6425565" cy="3213100"/>
+            <a:chOff x="10190127" y="0"/>
+            <a:chExt cx="6425565" cy="3213100"/>
+          </a:xfrm>
+        </p:grpSpPr>
+        <p:sp>
+          <p:nvSpPr>
+            <p:cNvPr id="10" name="object 10"/>
+            <p:cNvSpPr/>
+            <p:nvPr/>
+          </p:nvSpPr>
+          <p:spPr>
+            <a:xfrm>
+              <a:off x="10190127" y="0"/>
+              <a:ext cx="6425565" cy="3213100"/>
+            </a:xfrm>
+            <a:custGeom>
+              <a:avLst/>
+              <a:gdLst/>
+              <a:ahLst/>
+              <a:cxnLst/>
+              <a:rect l="l" t="t" r="r" b="b"/>
+              <a:pathLst>
+                <a:path w="6425565" h="3213100">
+                  <a:moveTo>
+                    <a:pt x="6425217" y="0"/>
+                  </a:moveTo>
+                  <a:lnTo>
+                    <a:pt x="0" y="0"/>
+                  </a:lnTo>
+                  <a:lnTo>
+                    <a:pt x="3212603" y="3212614"/>
+                  </a:lnTo>
+                  <a:lnTo>
+                    <a:pt x="6425217" y="0"/>
+                  </a:lnTo>
+                  <a:close/>
+                </a:path>
+              </a:pathLst>
+            </a:custGeom>
+            <a:solidFill>
+              <a:srgbClr val="F7A70A"/>
+            </a:solidFill>
+          </p:spPr>
+          <p:txBody>
+            <a:bodyPr wrap="square" lIns="0" tIns="0" rIns="0" bIns="0" rtlCol="0"/>
+            <a:lstStyle/>
+            <a:p>
+              <a:endParaRPr/>
+            </a:p>
+          </p:txBody>
+        </p:sp>
+        <p:sp>
+          <p:nvSpPr>
+            <p:cNvPr id="11" name="object 11"/>
+            <p:cNvSpPr/>
+            <p:nvPr/>
+          </p:nvSpPr>
+          <p:spPr>
+            <a:xfrm>
+              <a:off x="13402736" y="0"/>
+              <a:ext cx="3204845" cy="3213100"/>
+            </a:xfrm>
+            <a:custGeom>
+              <a:avLst/>
+              <a:gdLst/>
+              <a:ahLst/>
+              <a:cxnLst/>
+              <a:rect l="l" t="t" r="r" b="b"/>
+              <a:pathLst>
+                <a:path w="3204844" h="3213100">
+                  <a:moveTo>
+                    <a:pt x="3204381" y="0"/>
+                  </a:moveTo>
+                  <a:lnTo>
+                    <a:pt x="2636349" y="0"/>
+                  </a:lnTo>
+                  <a:lnTo>
+                    <a:pt x="0" y="3212610"/>
+                  </a:lnTo>
+                  <a:lnTo>
+                    <a:pt x="3204381" y="0"/>
+                  </a:lnTo>
+                  <a:close/>
+                </a:path>
+              </a:pathLst>
+            </a:custGeom>
+            <a:solidFill>
+              <a:srgbClr val="F7A70A"/>
+            </a:solidFill>
+          </p:spPr>
+          <p:txBody>
+            <a:bodyPr wrap="square" lIns="0" tIns="0" rIns="0" bIns="0" rtlCol="0"/>
+            <a:lstStyle/>
+            <a:p>
+              <a:endParaRPr/>
+            </a:p>
+          </p:txBody>
+        </p:sp>
+      </p:grpSp>
+      <p:sp>
+        <p:nvSpPr>
+          <p:cNvPr id="12" name="object 12"/>
+          <p:cNvSpPr/>
+          <p:nvPr/>
+        </p:nvSpPr>
+        <p:spPr>
+          <a:xfrm>
+            <a:off x="12329948" y="10250462"/>
+            <a:ext cx="2116455" cy="1058545"/>
+          </a:xfrm>
+          <a:custGeom>
+            <a:avLst/>
+            <a:gdLst/>
+            <a:ahLst/>
+            <a:cxnLst/>
+            <a:rect l="l" t="t" r="r" b="b"/>
+            <a:pathLst>
+              <a:path w="2116455" h="1058545">
+                <a:moveTo>
+                  <a:pt x="1058103" y="0"/>
+                </a:moveTo>
+                <a:lnTo>
+                  <a:pt x="0" y="1058093"/>
+                </a:lnTo>
+                <a:lnTo>
+                  <a:pt x="2116197" y="1058093"/>
+                </a:lnTo>
+                <a:lnTo>
+                  <a:pt x="1058103" y="0"/>
+                </a:lnTo>
+                <a:close/>
+              </a:path>
+            </a:pathLst>
+          </a:custGeom>
+          <a:solidFill>
+            <a:srgbClr val="EBEBEA"/>
+          </a:solidFill>
+        </p:spPr>
+        <p:txBody>
+          <a:bodyPr wrap="square" lIns="0" tIns="0" rIns="0" bIns="0" rtlCol="0"/>
+          <a:lstStyle/>
+          <a:p>
+            <a:endParaRPr/>
+          </a:p>
+        </p:txBody>
+      </p:sp>
+      <p:sp>
+        <p:nvSpPr>
+          <p:cNvPr id="13" name="object 13"/>
+          <p:cNvSpPr txBox="1"/>
+          <p:nvPr/>
+        </p:nvSpPr>
+        <p:spPr>
+          <a:xfrm>
+            <a:off x="428865" y="293660"/>
+            <a:ext cx="535940" cy="553720"/>
+          </a:xfrm>
+          <a:prstGeom prst="rect">
+            <a:avLst/>
+          </a:prstGeom>
+        </p:spPr>
+        <p:txBody>
+          <a:bodyPr vert="horz" wrap="square" lIns="0" tIns="13970" rIns="0" bIns="0" rtlCol="0">
+            <a:spAutoFit/>
+          </a:bodyPr>
+          <a:lstStyle/>
+          <a:p>
+            <a:pPr marL="12700">
+              <a:lnSpc>
+                <a:spcPct val="100000"/>
+              </a:lnSpc>
+              <a:spcBef>
+                <a:spcPts val="110"/>
+              </a:spcBef>
+            </a:pPr>
+            <a:r>
+              <a:rPr sz="3450" spc="5" dirty="0">
+                <a:solidFill>
+                  <a:srgbClr val="F7A70A"/>
+                </a:solidFill>
+                <a:latin typeface="Lato"/>
+                <a:cs typeface="Lato"/>
+              </a:rPr>
+              <a:t>03</a:t>
+            </a:r>
+            <a:endParaRPr sz="3450">
+              <a:latin typeface="Lato"/>
+              <a:cs typeface="Lato"/>
+            </a:endParaRPr>
+          </a:p>
+        </p:txBody>
+      </p:sp>
+      <p:sp>
+        <p:nvSpPr>
+          <p:cNvPr id="14" name="object 14"/>
+          <p:cNvSpPr txBox="1">
+            <a:spLocks noGrp="1"/>
+          </p:cNvSpPr>
+          <p:nvPr>
+            <p:ph type="ftr" sz="quarter" idx="5"/>
+          </p:nvPr>
+        </p:nvSpPr>
+        <p:spPr>
+          <a:prstGeom prst="rect">
+            <a:avLst/>
+          </a:prstGeom>
+        </p:spPr>
+        <p:txBody>
+          <a:bodyPr vert="horz" wrap="square" lIns="0" tIns="11430" rIns="0" bIns="0" rtlCol="0">
+            <a:spAutoFit/>
+          </a:bodyPr>
+          <a:lstStyle/>
+          <a:p>
+            <a:pPr marL="12700">
+              <a:lnSpc>
+                <a:spcPct val="100000"/>
+              </a:lnSpc>
+              <a:spcBef>
+                <a:spcPts val="90"/>
+              </a:spcBef>
+            </a:pPr>
+            <a:r>
+              <a:rPr b="1" spc="80" dirty="0">
+                <a:solidFill>
+                  <a:srgbClr val="F7A70A"/>
+                </a:solidFill>
+                <a:latin typeface="Lato"/>
+                <a:cs typeface="Lato"/>
+              </a:rPr>
+              <a:t>GEOVATION</a:t>
+            </a:r>
+            <a:r>
+              <a:rPr b="1" spc="215" dirty="0">
+                <a:solidFill>
+                  <a:srgbClr val="F7A70A"/>
+                </a:solidFill>
+                <a:latin typeface="Lato"/>
+                <a:cs typeface="Lato"/>
+              </a:rPr>
+              <a:t> </a:t>
+            </a:r>
+            <a:r>
+              <a:rPr spc="80" dirty="0"/>
+              <a:t>FROM</a:t>
+            </a:r>
+            <a:r>
+              <a:rPr spc="215" dirty="0"/>
+              <a:t> </a:t>
+            </a:r>
+            <a:r>
+              <a:rPr spc="100" dirty="0"/>
+              <a:t>ORDNANCE</a:t>
+            </a:r>
+            <a:r>
+              <a:rPr spc="215" dirty="0"/>
+              <a:t> </a:t>
+            </a:r>
+            <a:r>
+              <a:rPr spc="95" dirty="0"/>
+              <a:t>SURVEY</a:t>
+            </a:r>
+            <a:r>
+              <a:rPr spc="-110" dirty="0"/>
+              <a:t> </a:t>
+            </a:r>
+          </a:p>
+        </p:txBody>
+      </p:sp>
+      <p:pic>
+        <p:nvPicPr>
           <p:cNvPr id="5" name="Picture 4">
             <a:extLst>
               <a:ext uri="{FF2B5EF4-FFF2-40B4-BE49-F238E27FC236}">
@@ -7717,7 +8501,7 @@
           <p:nvPr/>
         </p:nvPicPr>
         <p:blipFill>
-          <a:blip r:embed="rId3"/>
+          <a:blip r:embed="rId4"/>
           <a:stretch>
             <a:fillRect/>
           </a:stretch>
@@ -7747,7 +8531,7 @@
 </p:sld>
 </file>
 
-<file path=ppt/slides/slide5.xml><?xml version="1.0" encoding="utf-8"?>
+<file path=ppt/slides/slide6.xml><?xml version="1.0" encoding="utf-8"?>
 <p:sld xmlns:a="http://schemas.openxmlformats.org/drawingml/2006/main" xmlns:r="http://schemas.openxmlformats.org/officeDocument/2006/relationships" xmlns:p="http://schemas.openxmlformats.org/presentationml/2006/main" showMasterSp="0">
   <p:cSld>
     <p:spTree>
